--- a/AI-DataQuality Analyst/Module5-Import Data as per Specifications/5.3-Data Validation Session3(8th-0p)/Data Validation.pptx
+++ b/AI-DataQuality Analyst/Module5-Import Data as per Specifications/5.3-Data Validation Session3(8th-0p)/Data Validation.pptx
@@ -5,20 +5,24 @@
     <p:sldMasterId id="2147483648" r:id="rId1"/>
   </p:sldMasterIdLst>
   <p:notesMasterIdLst>
-    <p:notesMasterId r:id="rId13"/>
+    <p:notesMasterId r:id="rId17"/>
   </p:notesMasterIdLst>
   <p:sldIdLst>
     <p:sldId id="257" r:id="rId2"/>
     <p:sldId id="256" r:id="rId3"/>
     <p:sldId id="259" r:id="rId4"/>
     <p:sldId id="260" r:id="rId5"/>
-    <p:sldId id="267" r:id="rId6"/>
-    <p:sldId id="266" r:id="rId7"/>
-    <p:sldId id="262" r:id="rId8"/>
-    <p:sldId id="263" r:id="rId9"/>
-    <p:sldId id="264" r:id="rId10"/>
-    <p:sldId id="265" r:id="rId11"/>
-    <p:sldId id="261" r:id="rId12"/>
+    <p:sldId id="266" r:id="rId6"/>
+    <p:sldId id="268" r:id="rId7"/>
+    <p:sldId id="271" r:id="rId8"/>
+    <p:sldId id="272" r:id="rId9"/>
+    <p:sldId id="269" r:id="rId10"/>
+    <p:sldId id="270" r:id="rId11"/>
+    <p:sldId id="274" r:id="rId12"/>
+    <p:sldId id="275" r:id="rId13"/>
+    <p:sldId id="276" r:id="rId14"/>
+    <p:sldId id="273" r:id="rId15"/>
+    <p:sldId id="261" r:id="rId16"/>
   </p:sldIdLst>
   <p:sldSz cx="12192000" cy="6858000"/>
   <p:notesSz cx="6858000" cy="9144000"/>
@@ -125,6 +129,473 @@
 </p:presentation>
 </file>
 
+<file path=ppt/changesInfos/changesInfo1.xml><?xml version="1.0" encoding="utf-8"?>
+<pc:chgInfo xmlns:a="http://schemas.openxmlformats.org/drawingml/2006/main" xmlns:r="http://schemas.openxmlformats.org/officeDocument/2006/relationships" xmlns:ac="http://schemas.microsoft.com/office/drawing/2013/main/command" xmlns:pc="http://schemas.microsoft.com/office/powerpoint/2013/main/command">
+  <pc:docChgLst>
+    <pc:chgData name="Krishna Kant Dubey" userId="cd28fa1e1902c48d" providerId="LiveId" clId="{1A5AADD9-E36D-42EB-850B-C555EC6F6A0C}"/>
+    <pc:docChg chg="undo custSel addSld delSld modSld">
+      <pc:chgData name="Krishna Kant Dubey" userId="cd28fa1e1902c48d" providerId="LiveId" clId="{1A5AADD9-E36D-42EB-850B-C555EC6F6A0C}" dt="2025-08-11T12:06:46.484" v="496" actId="207"/>
+      <pc:docMkLst>
+        <pc:docMk/>
+      </pc:docMkLst>
+      <pc:sldChg chg="modSp mod">
+        <pc:chgData name="Krishna Kant Dubey" userId="cd28fa1e1902c48d" providerId="LiveId" clId="{1A5AADD9-E36D-42EB-850B-C555EC6F6A0C}" dt="2025-08-11T11:30:27.148" v="5" actId="207"/>
+        <pc:sldMkLst>
+          <pc:docMk/>
+          <pc:sldMk cId="1080327146" sldId="256"/>
+        </pc:sldMkLst>
+        <pc:spChg chg="mod">
+          <ac:chgData name="Krishna Kant Dubey" userId="cd28fa1e1902c48d" providerId="LiveId" clId="{1A5AADD9-E36D-42EB-850B-C555EC6F6A0C}" dt="2025-08-11T11:30:27.148" v="5" actId="207"/>
+          <ac:spMkLst>
+            <pc:docMk/>
+            <pc:sldMk cId="1080327146" sldId="256"/>
+            <ac:spMk id="12" creationId="{941B6D05-14FE-733C-BADE-E07A8CDD1589}"/>
+          </ac:spMkLst>
+        </pc:spChg>
+      </pc:sldChg>
+      <pc:sldChg chg="addSp modSp">
+        <pc:chgData name="Krishna Kant Dubey" userId="cd28fa1e1902c48d" providerId="LiveId" clId="{1A5AADD9-E36D-42EB-850B-C555EC6F6A0C}" dt="2025-08-11T08:26:09.324" v="0"/>
+        <pc:sldMkLst>
+          <pc:docMk/>
+          <pc:sldMk cId="2381247086" sldId="257"/>
+        </pc:sldMkLst>
+        <pc:picChg chg="add mod">
+          <ac:chgData name="Krishna Kant Dubey" userId="cd28fa1e1902c48d" providerId="LiveId" clId="{1A5AADD9-E36D-42EB-850B-C555EC6F6A0C}" dt="2025-08-11T08:26:09.324" v="0"/>
+          <ac:picMkLst>
+            <pc:docMk/>
+            <pc:sldMk cId="2381247086" sldId="257"/>
+            <ac:picMk id="3" creationId="{49D86A38-3EE8-3EE8-6AF2-C0DB66DB3443}"/>
+          </ac:picMkLst>
+        </pc:picChg>
+      </pc:sldChg>
+      <pc:sldChg chg="modSp mod">
+        <pc:chgData name="Krishna Kant Dubey" userId="cd28fa1e1902c48d" providerId="LiveId" clId="{1A5AADD9-E36D-42EB-850B-C555EC6F6A0C}" dt="2025-08-11T11:30:56.852" v="16" actId="12"/>
+        <pc:sldMkLst>
+          <pc:docMk/>
+          <pc:sldMk cId="2701513036" sldId="259"/>
+        </pc:sldMkLst>
+        <pc:spChg chg="mod">
+          <ac:chgData name="Krishna Kant Dubey" userId="cd28fa1e1902c48d" providerId="LiveId" clId="{1A5AADD9-E36D-42EB-850B-C555EC6F6A0C}" dt="2025-08-11T11:30:56.852" v="16" actId="12"/>
+          <ac:spMkLst>
+            <pc:docMk/>
+            <pc:sldMk cId="2701513036" sldId="259"/>
+            <ac:spMk id="13" creationId="{459108AF-66D9-CD3C-DDCE-0CFFD70B496D}"/>
+          </ac:spMkLst>
+        </pc:spChg>
+      </pc:sldChg>
+      <pc:sldChg chg="addSp modSp mod">
+        <pc:chgData name="Krishna Kant Dubey" userId="cd28fa1e1902c48d" providerId="LiveId" clId="{1A5AADD9-E36D-42EB-850B-C555EC6F6A0C}" dt="2025-08-11T11:38:15.675" v="80" actId="14100"/>
+        <pc:sldMkLst>
+          <pc:docMk/>
+          <pc:sldMk cId="131540703" sldId="260"/>
+        </pc:sldMkLst>
+        <pc:spChg chg="add mod">
+          <ac:chgData name="Krishna Kant Dubey" userId="cd28fa1e1902c48d" providerId="LiveId" clId="{1A5AADD9-E36D-42EB-850B-C555EC6F6A0C}" dt="2025-08-11T11:32:32.191" v="18"/>
+          <ac:spMkLst>
+            <pc:docMk/>
+            <pc:sldMk cId="131540703" sldId="260"/>
+            <ac:spMk id="3" creationId="{5409588F-D947-F1C8-34B9-A155C03D4FA8}"/>
+          </ac:spMkLst>
+        </pc:spChg>
+        <pc:spChg chg="mod">
+          <ac:chgData name="Krishna Kant Dubey" userId="cd28fa1e1902c48d" providerId="LiveId" clId="{1A5AADD9-E36D-42EB-850B-C555EC6F6A0C}" dt="2025-08-11T11:38:15.675" v="80" actId="14100"/>
+          <ac:spMkLst>
+            <pc:docMk/>
+            <pc:sldMk cId="131540703" sldId="260"/>
+            <ac:spMk id="4" creationId="{578CAB42-7D2A-6EDC-C435-EECC86B0DFC6}"/>
+          </ac:spMkLst>
+        </pc:spChg>
+        <pc:spChg chg="mod">
+          <ac:chgData name="Krishna Kant Dubey" userId="cd28fa1e1902c48d" providerId="LiveId" clId="{1A5AADD9-E36D-42EB-850B-C555EC6F6A0C}" dt="2025-08-11T11:33:44.405" v="26" actId="207"/>
+          <ac:spMkLst>
+            <pc:docMk/>
+            <pc:sldMk cId="131540703" sldId="260"/>
+            <ac:spMk id="12" creationId="{14221AC7-70EF-3E78-7957-84141B5AD992}"/>
+          </ac:spMkLst>
+        </pc:spChg>
+        <pc:graphicFrameChg chg="add mod">
+          <ac:chgData name="Krishna Kant Dubey" userId="cd28fa1e1902c48d" providerId="LiveId" clId="{1A5AADD9-E36D-42EB-850B-C555EC6F6A0C}" dt="2025-08-11T11:32:30.760" v="17"/>
+          <ac:graphicFrameMkLst>
+            <pc:docMk/>
+            <pc:sldMk cId="131540703" sldId="260"/>
+            <ac:graphicFrameMk id="2" creationId="{664A4595-6986-4E6A-23E0-25B55EDA81D2}"/>
+          </ac:graphicFrameMkLst>
+        </pc:graphicFrameChg>
+      </pc:sldChg>
+      <pc:sldChg chg="del">
+        <pc:chgData name="Krishna Kant Dubey" userId="cd28fa1e1902c48d" providerId="LiveId" clId="{1A5AADD9-E36D-42EB-850B-C555EC6F6A0C}" dt="2025-08-11T11:35:14.783" v="39" actId="2696"/>
+        <pc:sldMkLst>
+          <pc:docMk/>
+          <pc:sldMk cId="1248854694" sldId="262"/>
+        </pc:sldMkLst>
+      </pc:sldChg>
+      <pc:sldChg chg="del">
+        <pc:chgData name="Krishna Kant Dubey" userId="cd28fa1e1902c48d" providerId="LiveId" clId="{1A5AADD9-E36D-42EB-850B-C555EC6F6A0C}" dt="2025-08-11T11:35:14.783" v="39" actId="2696"/>
+        <pc:sldMkLst>
+          <pc:docMk/>
+          <pc:sldMk cId="2329110552" sldId="263"/>
+        </pc:sldMkLst>
+      </pc:sldChg>
+      <pc:sldChg chg="del">
+        <pc:chgData name="Krishna Kant Dubey" userId="cd28fa1e1902c48d" providerId="LiveId" clId="{1A5AADD9-E36D-42EB-850B-C555EC6F6A0C}" dt="2025-08-11T11:35:14.783" v="39" actId="2696"/>
+        <pc:sldMkLst>
+          <pc:docMk/>
+          <pc:sldMk cId="3334215418" sldId="264"/>
+        </pc:sldMkLst>
+      </pc:sldChg>
+      <pc:sldChg chg="del">
+        <pc:chgData name="Krishna Kant Dubey" userId="cd28fa1e1902c48d" providerId="LiveId" clId="{1A5AADD9-E36D-42EB-850B-C555EC6F6A0C}" dt="2025-08-11T11:35:14.783" v="39" actId="2696"/>
+        <pc:sldMkLst>
+          <pc:docMk/>
+          <pc:sldMk cId="1195287565" sldId="265"/>
+        </pc:sldMkLst>
+      </pc:sldChg>
+      <pc:sldChg chg="modSp mod">
+        <pc:chgData name="Krishna Kant Dubey" userId="cd28fa1e1902c48d" providerId="LiveId" clId="{1A5AADD9-E36D-42EB-850B-C555EC6F6A0C}" dt="2025-08-11T11:36:04.005" v="47" actId="207"/>
+        <pc:sldMkLst>
+          <pc:docMk/>
+          <pc:sldMk cId="1370868504" sldId="266"/>
+        </pc:sldMkLst>
+        <pc:spChg chg="mod">
+          <ac:chgData name="Krishna Kant Dubey" userId="cd28fa1e1902c48d" providerId="LiveId" clId="{1A5AADD9-E36D-42EB-850B-C555EC6F6A0C}" dt="2025-08-11T11:36:04.005" v="47" actId="207"/>
+          <ac:spMkLst>
+            <pc:docMk/>
+            <pc:sldMk cId="1370868504" sldId="266"/>
+            <ac:spMk id="4" creationId="{7524FDDB-07B4-54F0-DC21-901EF29BFD55}"/>
+          </ac:spMkLst>
+        </pc:spChg>
+        <pc:spChg chg="mod">
+          <ac:chgData name="Krishna Kant Dubey" userId="cd28fa1e1902c48d" providerId="LiveId" clId="{1A5AADD9-E36D-42EB-850B-C555EC6F6A0C}" dt="2025-08-11T11:34:38.128" v="34" actId="207"/>
+          <ac:spMkLst>
+            <pc:docMk/>
+            <pc:sldMk cId="1370868504" sldId="266"/>
+            <ac:spMk id="12" creationId="{ADD7F852-FFC2-6626-3163-8EA32EBA7812}"/>
+          </ac:spMkLst>
+        </pc:spChg>
+      </pc:sldChg>
+      <pc:sldChg chg="del">
+        <pc:chgData name="Krishna Kant Dubey" userId="cd28fa1e1902c48d" providerId="LiveId" clId="{1A5AADD9-E36D-42EB-850B-C555EC6F6A0C}" dt="2025-08-11T11:35:31.486" v="43" actId="2696"/>
+        <pc:sldMkLst>
+          <pc:docMk/>
+          <pc:sldMk cId="1337943040" sldId="267"/>
+        </pc:sldMkLst>
+      </pc:sldChg>
+      <pc:sldChg chg="modSp add mod">
+        <pc:chgData name="Krishna Kant Dubey" userId="cd28fa1e1902c48d" providerId="LiveId" clId="{1A5AADD9-E36D-42EB-850B-C555EC6F6A0C}" dt="2025-08-11T11:40:29.122" v="104" actId="113"/>
+        <pc:sldMkLst>
+          <pc:docMk/>
+          <pc:sldMk cId="3997338436" sldId="268"/>
+        </pc:sldMkLst>
+        <pc:spChg chg="mod">
+          <ac:chgData name="Krishna Kant Dubey" userId="cd28fa1e1902c48d" providerId="LiveId" clId="{1A5AADD9-E36D-42EB-850B-C555EC6F6A0C}" dt="2025-08-11T11:40:29.122" v="104" actId="113"/>
+          <ac:spMkLst>
+            <pc:docMk/>
+            <pc:sldMk cId="3997338436" sldId="268"/>
+            <ac:spMk id="4" creationId="{C544B42E-06A6-42C1-030F-BFF7E95494CA}"/>
+          </ac:spMkLst>
+        </pc:spChg>
+        <pc:spChg chg="mod">
+          <ac:chgData name="Krishna Kant Dubey" userId="cd28fa1e1902c48d" providerId="LiveId" clId="{1A5AADD9-E36D-42EB-850B-C555EC6F6A0C}" dt="2025-08-11T11:35:55.216" v="46" actId="207"/>
+          <ac:spMkLst>
+            <pc:docMk/>
+            <pc:sldMk cId="3997338436" sldId="268"/>
+            <ac:spMk id="12" creationId="{36ACB15D-57F4-4F19-9B5B-D2DB2B64D966}"/>
+          </ac:spMkLst>
+        </pc:spChg>
+      </pc:sldChg>
+      <pc:sldChg chg="addSp delSp modSp add mod">
+        <pc:chgData name="Krishna Kant Dubey" userId="cd28fa1e1902c48d" providerId="LiveId" clId="{1A5AADD9-E36D-42EB-850B-C555EC6F6A0C}" dt="2025-08-11T11:46:04.670" v="185"/>
+        <pc:sldMkLst>
+          <pc:docMk/>
+          <pc:sldMk cId="3672831949" sldId="269"/>
+        </pc:sldMkLst>
+        <pc:spChg chg="del mod">
+          <ac:chgData name="Krishna Kant Dubey" userId="cd28fa1e1902c48d" providerId="LiveId" clId="{1A5AADD9-E36D-42EB-850B-C555EC6F6A0C}" dt="2025-08-11T11:42:30.770" v="136" actId="3680"/>
+          <ac:spMkLst>
+            <pc:docMk/>
+            <pc:sldMk cId="3672831949" sldId="269"/>
+            <ac:spMk id="4" creationId="{49E40315-8034-224B-AFD7-158B98F0B864}"/>
+          </ac:spMkLst>
+        </pc:spChg>
+        <pc:spChg chg="mod">
+          <ac:chgData name="Krishna Kant Dubey" userId="cd28fa1e1902c48d" providerId="LiveId" clId="{1A5AADD9-E36D-42EB-850B-C555EC6F6A0C}" dt="2025-08-11T11:38:02.549" v="79" actId="207"/>
+          <ac:spMkLst>
+            <pc:docMk/>
+            <pc:sldMk cId="3672831949" sldId="269"/>
+            <ac:spMk id="12" creationId="{97A94D88-AEF0-3B1A-A819-51C06AA1B0B1}"/>
+          </ac:spMkLst>
+        </pc:spChg>
+        <pc:graphicFrameChg chg="add mod ord modGraphic">
+          <ac:chgData name="Krishna Kant Dubey" userId="cd28fa1e1902c48d" providerId="LiveId" clId="{1A5AADD9-E36D-42EB-850B-C555EC6F6A0C}" dt="2025-08-11T11:46:04.670" v="185"/>
+          <ac:graphicFrameMkLst>
+            <pc:docMk/>
+            <pc:sldMk cId="3672831949" sldId="269"/>
+            <ac:graphicFrameMk id="2" creationId="{F232DB7D-E4D0-8FE8-3AFA-E2FA75F7DA71}"/>
+          </ac:graphicFrameMkLst>
+        </pc:graphicFrameChg>
+      </pc:sldChg>
+      <pc:sldChg chg="addSp delSp modSp add mod">
+        <pc:chgData name="Krishna Kant Dubey" userId="cd28fa1e1902c48d" providerId="LiveId" clId="{1A5AADD9-E36D-42EB-850B-C555EC6F6A0C}" dt="2025-08-11T11:49:11.676" v="228" actId="27636"/>
+        <pc:sldMkLst>
+          <pc:docMk/>
+          <pc:sldMk cId="816077926" sldId="270"/>
+        </pc:sldMkLst>
+        <pc:spChg chg="del mod">
+          <ac:chgData name="Krishna Kant Dubey" userId="cd28fa1e1902c48d" providerId="LiveId" clId="{1A5AADD9-E36D-42EB-850B-C555EC6F6A0C}" dt="2025-08-11T11:48:00.619" v="191" actId="3680"/>
+          <ac:spMkLst>
+            <pc:docMk/>
+            <pc:sldMk cId="816077926" sldId="270"/>
+            <ac:spMk id="4" creationId="{9B74A4B3-AE43-C006-43F3-A6A7523A305C}"/>
+          </ac:spMkLst>
+        </pc:spChg>
+        <pc:spChg chg="mod">
+          <ac:chgData name="Krishna Kant Dubey" userId="cd28fa1e1902c48d" providerId="LiveId" clId="{1A5AADD9-E36D-42EB-850B-C555EC6F6A0C}" dt="2025-08-11T11:49:11.676" v="228" actId="27636"/>
+          <ac:spMkLst>
+            <pc:docMk/>
+            <pc:sldMk cId="816077926" sldId="270"/>
+            <ac:spMk id="12" creationId="{484F3A41-6F6A-D8C5-0898-4FADDCEA670D}"/>
+          </ac:spMkLst>
+        </pc:spChg>
+        <pc:graphicFrameChg chg="add mod ord modGraphic">
+          <ac:chgData name="Krishna Kant Dubey" userId="cd28fa1e1902c48d" providerId="LiveId" clId="{1A5AADD9-E36D-42EB-850B-C555EC6F6A0C}" dt="2025-08-11T11:49:05.392" v="226" actId="14100"/>
+          <ac:graphicFrameMkLst>
+            <pc:docMk/>
+            <pc:sldMk cId="816077926" sldId="270"/>
+            <ac:graphicFrameMk id="2" creationId="{B50F22DF-EF74-F79B-8318-1F7CAA443667}"/>
+          </ac:graphicFrameMkLst>
+        </pc:graphicFrameChg>
+      </pc:sldChg>
+      <pc:sldChg chg="modSp add mod">
+        <pc:chgData name="Krishna Kant Dubey" userId="cd28fa1e1902c48d" providerId="LiveId" clId="{1A5AADD9-E36D-42EB-850B-C555EC6F6A0C}" dt="2025-08-11T11:40:09.413" v="102" actId="207"/>
+        <pc:sldMkLst>
+          <pc:docMk/>
+          <pc:sldMk cId="1051801097" sldId="271"/>
+        </pc:sldMkLst>
+        <pc:spChg chg="mod">
+          <ac:chgData name="Krishna Kant Dubey" userId="cd28fa1e1902c48d" providerId="LiveId" clId="{1A5AADD9-E36D-42EB-850B-C555EC6F6A0C}" dt="2025-08-11T11:40:09.413" v="102" actId="207"/>
+          <ac:spMkLst>
+            <pc:docMk/>
+            <pc:sldMk cId="1051801097" sldId="271"/>
+            <ac:spMk id="4" creationId="{86B75395-CB6C-0E89-653C-F41F4D317809}"/>
+          </ac:spMkLst>
+        </pc:spChg>
+      </pc:sldChg>
+      <pc:sldChg chg="modSp add mod">
+        <pc:chgData name="Krishna Kant Dubey" userId="cd28fa1e1902c48d" providerId="LiveId" clId="{1A5AADD9-E36D-42EB-850B-C555EC6F6A0C}" dt="2025-08-11T11:41:47.007" v="134" actId="12"/>
+        <pc:sldMkLst>
+          <pc:docMk/>
+          <pc:sldMk cId="1595504848" sldId="272"/>
+        </pc:sldMkLst>
+        <pc:spChg chg="mod">
+          <ac:chgData name="Krishna Kant Dubey" userId="cd28fa1e1902c48d" providerId="LiveId" clId="{1A5AADD9-E36D-42EB-850B-C555EC6F6A0C}" dt="2025-08-11T11:41:47.007" v="134" actId="12"/>
+          <ac:spMkLst>
+            <pc:docMk/>
+            <pc:sldMk cId="1595504848" sldId="272"/>
+            <ac:spMk id="4" creationId="{24762632-D7F0-5A61-5F64-47AA87AA9EB9}"/>
+          </ac:spMkLst>
+        </pc:spChg>
+      </pc:sldChg>
+      <pc:sldChg chg="addSp delSp modSp add mod chgLayout">
+        <pc:chgData name="Krishna Kant Dubey" userId="cd28fa1e1902c48d" providerId="LiveId" clId="{1A5AADD9-E36D-42EB-850B-C555EC6F6A0C}" dt="2025-08-11T12:05:54.993" v="488" actId="113"/>
+        <pc:sldMkLst>
+          <pc:docMk/>
+          <pc:sldMk cId="80307329" sldId="273"/>
+        </pc:sldMkLst>
+        <pc:spChg chg="add">
+          <ac:chgData name="Krishna Kant Dubey" userId="cd28fa1e1902c48d" providerId="LiveId" clId="{1A5AADD9-E36D-42EB-850B-C555EC6F6A0C}" dt="2025-08-11T12:02:11.654" v="420"/>
+          <ac:spMkLst>
+            <pc:docMk/>
+            <pc:sldMk cId="80307329" sldId="273"/>
+            <ac:spMk id="2" creationId="{97CD77C8-85FD-1B18-DDE9-D9161075FFBE}"/>
+          </ac:spMkLst>
+        </pc:spChg>
+        <pc:spChg chg="add">
+          <ac:chgData name="Krishna Kant Dubey" userId="cd28fa1e1902c48d" providerId="LiveId" clId="{1A5AADD9-E36D-42EB-850B-C555EC6F6A0C}" dt="2025-08-11T12:02:29.046" v="421"/>
+          <ac:spMkLst>
+            <pc:docMk/>
+            <pc:sldMk cId="80307329" sldId="273"/>
+            <ac:spMk id="3" creationId="{C314A835-B798-7B9B-2864-D3F40E4E5557}"/>
+          </ac:spMkLst>
+        </pc:spChg>
+        <pc:spChg chg="del mod ord">
+          <ac:chgData name="Krishna Kant Dubey" userId="cd28fa1e1902c48d" providerId="LiveId" clId="{1A5AADD9-E36D-42EB-850B-C555EC6F6A0C}" dt="2025-08-11T12:03:47.841" v="452"/>
+          <ac:spMkLst>
+            <pc:docMk/>
+            <pc:sldMk cId="80307329" sldId="273"/>
+            <ac:spMk id="4" creationId="{9BA10815-D9E3-1603-55F6-6C966884973E}"/>
+          </ac:spMkLst>
+        </pc:spChg>
+        <pc:spChg chg="add mod">
+          <ac:chgData name="Krishna Kant Dubey" userId="cd28fa1e1902c48d" providerId="LiveId" clId="{1A5AADD9-E36D-42EB-850B-C555EC6F6A0C}" dt="2025-08-11T12:05:54.993" v="488" actId="113"/>
+          <ac:spMkLst>
+            <pc:docMk/>
+            <pc:sldMk cId="80307329" sldId="273"/>
+            <ac:spMk id="5" creationId="{4CE38650-BCDD-4B4B-3956-E8EE90F91969}"/>
+          </ac:spMkLst>
+        </pc:spChg>
+        <pc:spChg chg="mod ord">
+          <ac:chgData name="Krishna Kant Dubey" userId="cd28fa1e1902c48d" providerId="LiveId" clId="{1A5AADD9-E36D-42EB-850B-C555EC6F6A0C}" dt="2025-08-11T12:03:35.504" v="450" actId="20577"/>
+          <ac:spMkLst>
+            <pc:docMk/>
+            <pc:sldMk cId="80307329" sldId="273"/>
+            <ac:spMk id="12" creationId="{A2335DAB-9B1E-D026-13A2-62C0A978DE50}"/>
+          </ac:spMkLst>
+        </pc:spChg>
+      </pc:sldChg>
+      <pc:sldChg chg="addSp delSp modSp add mod">
+        <pc:chgData name="Krishna Kant Dubey" userId="cd28fa1e1902c48d" providerId="LiveId" clId="{1A5AADD9-E36D-42EB-850B-C555EC6F6A0C}" dt="2025-08-11T12:06:46.484" v="496" actId="207"/>
+        <pc:sldMkLst>
+          <pc:docMk/>
+          <pc:sldMk cId="2384032704" sldId="274"/>
+        </pc:sldMkLst>
+        <pc:spChg chg="add del mod">
+          <ac:chgData name="Krishna Kant Dubey" userId="cd28fa1e1902c48d" providerId="LiveId" clId="{1A5AADD9-E36D-42EB-850B-C555EC6F6A0C}" dt="2025-08-11T11:51:10.488" v="247"/>
+          <ac:spMkLst>
+            <pc:docMk/>
+            <pc:sldMk cId="2384032704" sldId="274"/>
+            <ac:spMk id="4" creationId="{51BA6F36-03FF-B73F-0DDA-FBC89B81BE07}"/>
+          </ac:spMkLst>
+        </pc:spChg>
+        <pc:spChg chg="add">
+          <ac:chgData name="Krishna Kant Dubey" userId="cd28fa1e1902c48d" providerId="LiveId" clId="{1A5AADD9-E36D-42EB-850B-C555EC6F6A0C}" dt="2025-08-11T11:50:11.797" v="231"/>
+          <ac:spMkLst>
+            <pc:docMk/>
+            <pc:sldMk cId="2384032704" sldId="274"/>
+            <ac:spMk id="5" creationId="{E3C479D2-3A33-A930-6D4E-E0218484372F}"/>
+          </ac:spMkLst>
+        </pc:spChg>
+        <pc:spChg chg="add">
+          <ac:chgData name="Krishna Kant Dubey" userId="cd28fa1e1902c48d" providerId="LiveId" clId="{1A5AADD9-E36D-42EB-850B-C555EC6F6A0C}" dt="2025-08-11T11:50:31.483" v="232"/>
+          <ac:spMkLst>
+            <pc:docMk/>
+            <pc:sldMk cId="2384032704" sldId="274"/>
+            <ac:spMk id="6" creationId="{B80DB96D-CFF0-C44F-916C-DE03A2A8ABCB}"/>
+          </ac:spMkLst>
+        </pc:spChg>
+        <pc:spChg chg="add del mod">
+          <ac:chgData name="Krishna Kant Dubey" userId="cd28fa1e1902c48d" providerId="LiveId" clId="{1A5AADD9-E36D-42EB-850B-C555EC6F6A0C}" dt="2025-08-11T11:51:26.005" v="248" actId="478"/>
+          <ac:spMkLst>
+            <pc:docMk/>
+            <pc:sldMk cId="2384032704" sldId="274"/>
+            <ac:spMk id="7" creationId="{5ED370D4-9C83-6C21-650C-3CBD311BD229}"/>
+          </ac:spMkLst>
+        </pc:spChg>
+        <pc:spChg chg="add del mod">
+          <ac:chgData name="Krishna Kant Dubey" userId="cd28fa1e1902c48d" providerId="LiveId" clId="{1A5AADD9-E36D-42EB-850B-C555EC6F6A0C}" dt="2025-08-11T11:51:28.920" v="249"/>
+          <ac:spMkLst>
+            <pc:docMk/>
+            <pc:sldMk cId="2384032704" sldId="274"/>
+            <ac:spMk id="8" creationId="{0E87A86A-2518-7282-C811-D769196DC744}"/>
+          </ac:spMkLst>
+        </pc:spChg>
+        <pc:spChg chg="add mod">
+          <ac:chgData name="Krishna Kant Dubey" userId="cd28fa1e1902c48d" providerId="LiveId" clId="{1A5AADD9-E36D-42EB-850B-C555EC6F6A0C}" dt="2025-08-11T12:06:46.484" v="496" actId="207"/>
+          <ac:spMkLst>
+            <pc:docMk/>
+            <pc:sldMk cId="2384032704" sldId="274"/>
+            <ac:spMk id="10" creationId="{2BCB81F2-FC28-C4E0-B7B0-31EF56A44B34}"/>
+          </ac:spMkLst>
+        </pc:spChg>
+        <pc:spChg chg="mod">
+          <ac:chgData name="Krishna Kant Dubey" userId="cd28fa1e1902c48d" providerId="LiveId" clId="{1A5AADD9-E36D-42EB-850B-C555EC6F6A0C}" dt="2025-08-11T11:50:54.160" v="246" actId="20577"/>
+          <ac:spMkLst>
+            <pc:docMk/>
+            <pc:sldMk cId="2384032704" sldId="274"/>
+            <ac:spMk id="12" creationId="{3034F90D-9357-15C5-31EC-73A839729591}"/>
+          </ac:spMkLst>
+        </pc:spChg>
+        <pc:graphicFrameChg chg="del">
+          <ac:chgData name="Krishna Kant Dubey" userId="cd28fa1e1902c48d" providerId="LiveId" clId="{1A5AADD9-E36D-42EB-850B-C555EC6F6A0C}" dt="2025-08-11T11:50:00.779" v="230" actId="478"/>
+          <ac:graphicFrameMkLst>
+            <pc:docMk/>
+            <pc:sldMk cId="2384032704" sldId="274"/>
+            <ac:graphicFrameMk id="2" creationId="{D30DDE0D-3BDD-EEAD-016B-7CB58101BC61}"/>
+          </ac:graphicFrameMkLst>
+        </pc:graphicFrameChg>
+      </pc:sldChg>
+      <pc:sldChg chg="modSp add mod">
+        <pc:chgData name="Krishna Kant Dubey" userId="cd28fa1e1902c48d" providerId="LiveId" clId="{1A5AADD9-E36D-42EB-850B-C555EC6F6A0C}" dt="2025-08-11T11:54:58.428" v="313" actId="207"/>
+        <pc:sldMkLst>
+          <pc:docMk/>
+          <pc:sldMk cId="2581992404" sldId="275"/>
+        </pc:sldMkLst>
+        <pc:spChg chg="mod">
+          <ac:chgData name="Krishna Kant Dubey" userId="cd28fa1e1902c48d" providerId="LiveId" clId="{1A5AADD9-E36D-42EB-850B-C555EC6F6A0C}" dt="2025-08-11T11:54:58.428" v="313" actId="207"/>
+          <ac:spMkLst>
+            <pc:docMk/>
+            <pc:sldMk cId="2581992404" sldId="275"/>
+            <ac:spMk id="10" creationId="{2FB464CC-2B7F-3F09-2BC6-62920C2402F5}"/>
+          </ac:spMkLst>
+        </pc:spChg>
+        <pc:spChg chg="mod">
+          <ac:chgData name="Krishna Kant Dubey" userId="cd28fa1e1902c48d" providerId="LiveId" clId="{1A5AADD9-E36D-42EB-850B-C555EC6F6A0C}" dt="2025-08-11T11:54:21.581" v="279" actId="20577"/>
+          <ac:spMkLst>
+            <pc:docMk/>
+            <pc:sldMk cId="2581992404" sldId="275"/>
+            <ac:spMk id="12" creationId="{EAAEE9F2-3394-4A1C-D987-24209C852224}"/>
+          </ac:spMkLst>
+        </pc:spChg>
+      </pc:sldChg>
+      <pc:sldChg chg="addSp delSp modSp add mod chgLayout">
+        <pc:chgData name="Krishna Kant Dubey" userId="cd28fa1e1902c48d" providerId="LiveId" clId="{1A5AADD9-E36D-42EB-850B-C555EC6F6A0C}" dt="2025-08-11T12:06:37.238" v="494" actId="113"/>
+        <pc:sldMkLst>
+          <pc:docMk/>
+          <pc:sldMk cId="3252303333" sldId="276"/>
+        </pc:sldMkLst>
+        <pc:spChg chg="add">
+          <ac:chgData name="Krishna Kant Dubey" userId="cd28fa1e1902c48d" providerId="LiveId" clId="{1A5AADD9-E36D-42EB-850B-C555EC6F6A0C}" dt="2025-08-11T11:56:06.079" v="329"/>
+          <ac:spMkLst>
+            <pc:docMk/>
+            <pc:sldMk cId="3252303333" sldId="276"/>
+            <ac:spMk id="2" creationId="{A2CA36E8-4585-AA00-8247-58BA0BA98D3F}"/>
+          </ac:spMkLst>
+        </pc:spChg>
+        <pc:spChg chg="add del mod ord">
+          <ac:chgData name="Krishna Kant Dubey" userId="cd28fa1e1902c48d" providerId="LiveId" clId="{1A5AADD9-E36D-42EB-850B-C555EC6F6A0C}" dt="2025-08-11T11:56:36.584" v="335"/>
+          <ac:spMkLst>
+            <pc:docMk/>
+            <pc:sldMk cId="3252303333" sldId="276"/>
+            <ac:spMk id="3" creationId="{6433D0E1-B14B-63C6-F6EB-219C3020EAB0}"/>
+          </ac:spMkLst>
+        </pc:spChg>
+        <pc:spChg chg="add mod ord">
+          <ac:chgData name="Krishna Kant Dubey" userId="cd28fa1e1902c48d" providerId="LiveId" clId="{1A5AADD9-E36D-42EB-850B-C555EC6F6A0C}" dt="2025-08-11T12:06:37.238" v="494" actId="113"/>
+          <ac:spMkLst>
+            <pc:docMk/>
+            <pc:sldMk cId="3252303333" sldId="276"/>
+            <ac:spMk id="4" creationId="{316D5B50-8A9F-C7BA-30B9-1302A2AD316D}"/>
+          </ac:spMkLst>
+        </pc:spChg>
+        <pc:spChg chg="add del">
+          <ac:chgData name="Krishna Kant Dubey" userId="cd28fa1e1902c48d" providerId="LiveId" clId="{1A5AADD9-E36D-42EB-850B-C555EC6F6A0C}" dt="2025-08-11T11:57:48.764" v="377" actId="22"/>
+          <ac:spMkLst>
+            <pc:docMk/>
+            <pc:sldMk cId="3252303333" sldId="276"/>
+            <ac:spMk id="6" creationId="{1A9A222C-8B05-6C5D-BE03-F6E2332E69B6}"/>
+          </ac:spMkLst>
+        </pc:spChg>
+        <pc:spChg chg="del mod">
+          <ac:chgData name="Krishna Kant Dubey" userId="cd28fa1e1902c48d" providerId="LiveId" clId="{1A5AADD9-E36D-42EB-850B-C555EC6F6A0C}" dt="2025-08-11T11:56:16.822" v="331" actId="700"/>
+          <ac:spMkLst>
+            <pc:docMk/>
+            <pc:sldMk cId="3252303333" sldId="276"/>
+            <ac:spMk id="10" creationId="{B7D4553C-336B-7BD8-CDEE-77222D0B7170}"/>
+          </ac:spMkLst>
+        </pc:spChg>
+        <pc:spChg chg="mod ord">
+          <ac:chgData name="Krishna Kant Dubey" userId="cd28fa1e1902c48d" providerId="LiveId" clId="{1A5AADD9-E36D-42EB-850B-C555EC6F6A0C}" dt="2025-08-11T11:58:28.774" v="383" actId="14100"/>
+          <ac:spMkLst>
+            <pc:docMk/>
+            <pc:sldMk cId="3252303333" sldId="276"/>
+            <ac:spMk id="12" creationId="{8C90395B-1407-E588-EA3A-8E81BD871424}"/>
+          </ac:spMkLst>
+        </pc:spChg>
+      </pc:sldChg>
+    </pc:docChg>
+  </pc:docChgLst>
+</pc:chgInfo>
+</file>
+
 <file path=ppt/notesMasters/notesMaster1.xml><?xml version="1.0" encoding="utf-8"?>
 <p:notesMaster xmlns:a="http://schemas.openxmlformats.org/drawingml/2006/main" xmlns:r="http://schemas.openxmlformats.org/officeDocument/2006/relationships" xmlns:p="http://schemas.openxmlformats.org/presentationml/2006/main">
   <p:cSld>
@@ -207,7 +678,7 @@
           <a:p>
             <a:fld id="{771BC1E5-8BD3-45A8-A8D4-BE6B8D3F526F}" type="datetimeFigureOut">
               <a:rPr lang="en-IN" smtClean="0"/>
-              <a:t>28-07-2025</a:t>
+              <a:t>11-08-2025</a:t>
             </a:fld>
             <a:endParaRPr lang="en-IN"/>
           </a:p>
@@ -624,7 +1095,7 @@
           <a:p>
             <a:fld id="{8B8265E5-5E35-4F50-869B-ACC7CF337DF9}" type="datetimeFigureOut">
               <a:rPr lang="en-IN" smtClean="0"/>
-              <a:t>28-07-2025</a:t>
+              <a:t>11-08-2025</a:t>
             </a:fld>
             <a:endParaRPr lang="en-IN"/>
           </a:p>
@@ -824,7 +1295,7 @@
           <a:p>
             <a:fld id="{8B8265E5-5E35-4F50-869B-ACC7CF337DF9}" type="datetimeFigureOut">
               <a:rPr lang="en-IN" smtClean="0"/>
-              <a:t>28-07-2025</a:t>
+              <a:t>11-08-2025</a:t>
             </a:fld>
             <a:endParaRPr lang="en-IN"/>
           </a:p>
@@ -1034,7 +1505,7 @@
           <a:p>
             <a:fld id="{8B8265E5-5E35-4F50-869B-ACC7CF337DF9}" type="datetimeFigureOut">
               <a:rPr lang="en-IN" smtClean="0"/>
-              <a:t>28-07-2025</a:t>
+              <a:t>11-08-2025</a:t>
             </a:fld>
             <a:endParaRPr lang="en-IN"/>
           </a:p>
@@ -1234,7 +1705,7 @@
           <a:p>
             <a:fld id="{8B8265E5-5E35-4F50-869B-ACC7CF337DF9}" type="datetimeFigureOut">
               <a:rPr lang="en-IN" smtClean="0"/>
-              <a:t>28-07-2025</a:t>
+              <a:t>11-08-2025</a:t>
             </a:fld>
             <a:endParaRPr lang="en-IN"/>
           </a:p>
@@ -1510,7 +1981,7 @@
           <a:p>
             <a:fld id="{8B8265E5-5E35-4F50-869B-ACC7CF337DF9}" type="datetimeFigureOut">
               <a:rPr lang="en-IN" smtClean="0"/>
-              <a:t>28-07-2025</a:t>
+              <a:t>11-08-2025</a:t>
             </a:fld>
             <a:endParaRPr lang="en-IN"/>
           </a:p>
@@ -1778,7 +2249,7 @@
           <a:p>
             <a:fld id="{8B8265E5-5E35-4F50-869B-ACC7CF337DF9}" type="datetimeFigureOut">
               <a:rPr lang="en-IN" smtClean="0"/>
-              <a:t>28-07-2025</a:t>
+              <a:t>11-08-2025</a:t>
             </a:fld>
             <a:endParaRPr lang="en-IN"/>
           </a:p>
@@ -2193,7 +2664,7 @@
           <a:p>
             <a:fld id="{8B8265E5-5E35-4F50-869B-ACC7CF337DF9}" type="datetimeFigureOut">
               <a:rPr lang="en-IN" smtClean="0"/>
-              <a:t>28-07-2025</a:t>
+              <a:t>11-08-2025</a:t>
             </a:fld>
             <a:endParaRPr lang="en-IN"/>
           </a:p>
@@ -2335,7 +2806,7 @@
           <a:p>
             <a:fld id="{8B8265E5-5E35-4F50-869B-ACC7CF337DF9}" type="datetimeFigureOut">
               <a:rPr lang="en-IN" smtClean="0"/>
-              <a:t>28-07-2025</a:t>
+              <a:t>11-08-2025</a:t>
             </a:fld>
             <a:endParaRPr lang="en-IN"/>
           </a:p>
@@ -2448,7 +2919,7 @@
           <a:p>
             <a:fld id="{8B8265E5-5E35-4F50-869B-ACC7CF337DF9}" type="datetimeFigureOut">
               <a:rPr lang="en-IN" smtClean="0"/>
-              <a:t>28-07-2025</a:t>
+              <a:t>11-08-2025</a:t>
             </a:fld>
             <a:endParaRPr lang="en-IN"/>
           </a:p>
@@ -2761,7 +3232,7 @@
           <a:p>
             <a:fld id="{8B8265E5-5E35-4F50-869B-ACC7CF337DF9}" type="datetimeFigureOut">
               <a:rPr lang="en-IN" smtClean="0"/>
-              <a:t>28-07-2025</a:t>
+              <a:t>11-08-2025</a:t>
             </a:fld>
             <a:endParaRPr lang="en-IN"/>
           </a:p>
@@ -3050,7 +3521,7 @@
           <a:p>
             <a:fld id="{8B8265E5-5E35-4F50-869B-ACC7CF337DF9}" type="datetimeFigureOut">
               <a:rPr lang="en-IN" smtClean="0"/>
-              <a:t>28-07-2025</a:t>
+              <a:t>11-08-2025</a:t>
             </a:fld>
             <a:endParaRPr lang="en-IN"/>
           </a:p>
@@ -3293,7 +3764,7 @@
           <a:p>
             <a:fld id="{8B8265E5-5E35-4F50-869B-ACC7CF337DF9}" type="datetimeFigureOut">
               <a:rPr lang="en-IN" smtClean="0"/>
-              <a:t>28-07-2025</a:t>
+              <a:t>11-08-2025</a:t>
             </a:fld>
             <a:endParaRPr lang="en-IN"/>
           </a:p>
@@ -3842,6 +4313,41 @@
           </a:p>
         </p:txBody>
       </p:sp>
+      <p:pic>
+        <p:nvPicPr>
+          <p:cNvPr id="3" name="Content Placeholder 4">
+            <a:extLst>
+              <a:ext uri="{FF2B5EF4-FFF2-40B4-BE49-F238E27FC236}">
+                <a16:creationId xmlns:a16="http://schemas.microsoft.com/office/drawing/2014/main" id="{49D86A38-3EE8-3EE8-6AF2-C0DB66DB3443}"/>
+              </a:ext>
+            </a:extLst>
+          </p:cNvPr>
+          <p:cNvPicPr>
+            <a:picLocks noGrp="1" noChangeAspect="1"/>
+          </p:cNvPicPr>
+          <p:nvPr/>
+        </p:nvPicPr>
+        <p:blipFill>
+          <a:blip r:embed="rId4">
+            <a:extLst>
+              <a:ext uri="{28A0092B-C50C-407E-A947-70E740481C1C}">
+                <a14:useLocalDpi xmlns:a14="http://schemas.microsoft.com/office/drawing/2010/main" val="0"/>
+              </a:ext>
+            </a:extLst>
+          </a:blip>
+          <a:srcRect/>
+          <a:stretch/>
+        </p:blipFill>
+        <p:spPr>
+          <a:xfrm>
+            <a:off x="-3047" y="0"/>
+            <a:ext cx="12198095" cy="6858000"/>
+          </a:xfrm>
+          <a:prstGeom prst="rect">
+            <a:avLst/>
+          </a:prstGeom>
+        </p:spPr>
+      </p:pic>
     </p:spTree>
     <p:extLst>
       <p:ext uri="{BB962C8B-B14F-4D97-AF65-F5344CB8AC3E}">
@@ -3863,7 +4369,7 @@
         <p:cNvPr id="1" name="">
           <a:extLst>
             <a:ext uri="{FF2B5EF4-FFF2-40B4-BE49-F238E27FC236}">
-              <a16:creationId xmlns:a16="http://schemas.microsoft.com/office/drawing/2014/main" id="{BF4FBA5A-6499-8A35-6086-5B35D38E057E}"/>
+              <a16:creationId xmlns:a16="http://schemas.microsoft.com/office/drawing/2014/main" id="{469B0470-0F2D-8077-E42A-E519292E97F4}"/>
             </a:ext>
           </a:extLst>
         </p:cNvPr>
@@ -3883,7 +4389,7 @@
           <p:cNvPr id="9" name="Picture 8">
             <a:extLst>
               <a:ext uri="{FF2B5EF4-FFF2-40B4-BE49-F238E27FC236}">
-                <a16:creationId xmlns:a16="http://schemas.microsoft.com/office/drawing/2014/main" id="{73FF0F37-FC9B-A15F-415E-0129E11385F5}"/>
+                <a16:creationId xmlns:a16="http://schemas.microsoft.com/office/drawing/2014/main" id="{156465F9-DA35-E6F8-30C6-0A7C9E064B08}"/>
               </a:ext>
             </a:extLst>
           </p:cNvPr>
@@ -3906,7 +4412,7 @@
         </p:blipFill>
         <p:spPr>
           <a:xfrm>
-            <a:off x="0" y="0"/>
+            <a:off x="0" y="4707"/>
             <a:ext cx="12192000" cy="6853293"/>
           </a:xfrm>
           <a:prstGeom prst="rect">
@@ -3919,7 +4425,7 @@
           <p:cNvPr id="12" name="Title 11">
             <a:extLst>
               <a:ext uri="{FF2B5EF4-FFF2-40B4-BE49-F238E27FC236}">
-                <a16:creationId xmlns:a16="http://schemas.microsoft.com/office/drawing/2014/main" id="{3437FF27-219F-D813-D37F-DDB2C5738BC8}"/>
+                <a16:creationId xmlns:a16="http://schemas.microsoft.com/office/drawing/2014/main" id="{484F3A41-6F6A-D8C5-0898-4FADDCEA670D}"/>
               </a:ext>
             </a:extLst>
           </p:cNvPr>
@@ -3932,101 +4438,595 @@
         </p:nvSpPr>
         <p:spPr>
           <a:xfrm>
-            <a:off x="838200" y="1363581"/>
-            <a:ext cx="10515600" cy="3076074"/>
+            <a:off x="838200" y="884421"/>
+            <a:ext cx="10515600" cy="1377516"/>
           </a:xfrm>
         </p:spPr>
         <p:txBody>
           <a:bodyPr>
-            <a:normAutofit fontScale="90000"/>
+            <a:normAutofit/>
           </a:bodyPr>
           <a:lstStyle/>
           <a:p>
             <a:r>
-              <a:rPr lang="en-US" b="1" dirty="0">
+              <a:rPr lang="en-IN" b="1" dirty="0">
                 <a:solidFill>
                   <a:srgbClr val="C00000"/>
                 </a:solidFill>
               </a:rPr>
-              <a:t>Deep Learning</a:t>
+              <a:t>Popular Data Validation Tools</a:t>
             </a:r>
             <a:br>
-              <a:rPr lang="en-IN" dirty="0">
-                <a:solidFill>
-                  <a:srgbClr val="002060"/>
-                </a:solidFill>
-              </a:rPr>
-            </a:br>
-            <a:br>
-              <a:rPr lang="en-IN" dirty="0">
-                <a:solidFill>
-                  <a:srgbClr val="002060"/>
-                </a:solidFill>
-              </a:rPr>
-            </a:br>
-            <a:br>
-              <a:rPr lang="en-US" dirty="0">
-                <a:solidFill>
-                  <a:srgbClr val="002060"/>
-                </a:solidFill>
-              </a:rPr>
-            </a:br>
-            <a:br>
-              <a:rPr lang="en-US" dirty="0">
-                <a:solidFill>
-                  <a:srgbClr val="002060"/>
-                </a:solidFill>
-              </a:rPr>
-            </a:br>
-            <a:br>
-              <a:rPr lang="en-US" dirty="0">
-                <a:solidFill>
-                  <a:srgbClr val="002060"/>
+              <a:rPr lang="en-IN" b="1" dirty="0">
+                <a:solidFill>
+                  <a:srgbClr val="C00000"/>
                 </a:solidFill>
               </a:rPr>
             </a:br>
             <a:endParaRPr lang="en-IN" b="1" dirty="0">
               <a:solidFill>
-                <a:srgbClr val="FF0000"/>
+                <a:srgbClr val="C00000"/>
               </a:solidFill>
             </a:endParaRPr>
           </a:p>
         </p:txBody>
       </p:sp>
-      <p:sp>
-        <p:nvSpPr>
-          <p:cNvPr id="4" name="Content Placeholder 3">
-            <a:extLst>
-              <a:ext uri="{FF2B5EF4-FFF2-40B4-BE49-F238E27FC236}">
-                <a16:creationId xmlns:a16="http://schemas.microsoft.com/office/drawing/2014/main" id="{B93C4DBF-5000-13CE-0F3B-163064CCB4C4}"/>
-              </a:ext>
-            </a:extLst>
-          </p:cNvPr>
-          <p:cNvSpPr>
-            <a:spLocks noGrp="1"/>
-          </p:cNvSpPr>
+      <p:graphicFrame>
+        <p:nvGraphicFramePr>
+          <p:cNvPr id="2" name="Content Placeholder 1">
+            <a:extLst>
+              <a:ext uri="{FF2B5EF4-FFF2-40B4-BE49-F238E27FC236}">
+                <a16:creationId xmlns:a16="http://schemas.microsoft.com/office/drawing/2014/main" id="{B50F22DF-EF74-F79B-8318-1F7CAA443667}"/>
+              </a:ext>
+            </a:extLst>
+          </p:cNvPr>
+          <p:cNvGraphicFramePr>
+            <a:graphicFrameLocks noGrp="1"/>
+          </p:cNvGraphicFramePr>
           <p:nvPr>
             <p:ph idx="1"/>
-          </p:nvPr>
-        </p:nvSpPr>
-        <p:spPr>
-          <a:xfrm>
-            <a:off x="838200" y="2261937"/>
-            <a:ext cx="10515600" cy="3915026"/>
-          </a:xfrm>
-        </p:spPr>
-        <p:txBody>
-          <a:bodyPr/>
-          <a:lstStyle/>
-          <a:p>
-            <a:endParaRPr lang="en-IN" dirty="0"/>
-          </a:p>
-        </p:txBody>
-      </p:sp>
+            <p:extLst>
+              <p:ext uri="{D42A27DB-BD31-4B8C-83A1-F6EECF244321}">
+                <p14:modId xmlns:p14="http://schemas.microsoft.com/office/powerpoint/2010/main" val="2464398577"/>
+              </p:ext>
+            </p:extLst>
+          </p:nvPr>
+        </p:nvGraphicFramePr>
+        <p:xfrm>
+          <a:off x="838200" y="1618938"/>
+          <a:ext cx="10515597" cy="4663440"/>
+        </p:xfrm>
+        <a:graphic>
+          <a:graphicData uri="http://schemas.openxmlformats.org/drawingml/2006/table">
+            <a:tbl>
+              <a:tblPr firstRow="1" bandRow="1">
+                <a:tableStyleId>{793D81CF-94F2-401A-BA57-92F5A7B2D0C5}</a:tableStyleId>
+              </a:tblPr>
+              <a:tblGrid>
+                <a:gridCol w="2339715">
+                  <a:extLst>
+                    <a:ext uri="{9D8B030D-6E8A-4147-A177-3AD203B41FA5}">
+                      <a16:colId xmlns:a16="http://schemas.microsoft.com/office/drawing/2014/main" val="3862858236"/>
+                    </a:ext>
+                  </a:extLst>
+                </a:gridCol>
+                <a:gridCol w="4670683">
+                  <a:extLst>
+                    <a:ext uri="{9D8B030D-6E8A-4147-A177-3AD203B41FA5}">
+                      <a16:colId xmlns:a16="http://schemas.microsoft.com/office/drawing/2014/main" val="1754503730"/>
+                    </a:ext>
+                  </a:extLst>
+                </a:gridCol>
+                <a:gridCol w="3505199">
+                  <a:extLst>
+                    <a:ext uri="{9D8B030D-6E8A-4147-A177-3AD203B41FA5}">
+                      <a16:colId xmlns:a16="http://schemas.microsoft.com/office/drawing/2014/main" val="1289156280"/>
+                    </a:ext>
+                  </a:extLst>
+                </a:gridCol>
+              </a:tblGrid>
+              <a:tr h="363178">
+                <a:tc>
+                  <a:txBody>
+                    <a:bodyPr/>
+                    <a:lstStyle/>
+                    <a:p>
+                      <a:r>
+                        <a:rPr lang="en-IN" dirty="0"/>
+                        <a:t>Tool Name</a:t>
+                      </a:r>
+                    </a:p>
+                  </a:txBody>
+                  <a:tcPr/>
+                </a:tc>
+                <a:tc>
+                  <a:txBody>
+                    <a:bodyPr/>
+                    <a:lstStyle/>
+                    <a:p>
+                      <a:r>
+                        <a:rPr lang="en-IN" dirty="0"/>
+                        <a:t>Description</a:t>
+                      </a:r>
+                    </a:p>
+                  </a:txBody>
+                  <a:tcPr/>
+                </a:tc>
+                <a:tc>
+                  <a:txBody>
+                    <a:bodyPr/>
+                    <a:lstStyle/>
+                    <a:p>
+                      <a:r>
+                        <a:rPr lang="en-IN" dirty="0"/>
+                        <a:t>Best For</a:t>
+                      </a:r>
+                    </a:p>
+                  </a:txBody>
+                  <a:tcPr/>
+                </a:tc>
+                <a:extLst>
+                  <a:ext uri="{0D108BD9-81ED-4DB2-BD59-A6C34878D82A}">
+                    <a16:rowId xmlns:a16="http://schemas.microsoft.com/office/drawing/2014/main" val="3727023605"/>
+                  </a:ext>
+                </a:extLst>
+              </a:tr>
+              <a:tr h="626855">
+                <a:tc>
+                  <a:txBody>
+                    <a:bodyPr/>
+                    <a:lstStyle/>
+                    <a:p>
+                      <a:pPr>
+                        <a:buNone/>
+                      </a:pPr>
+                      <a:r>
+                        <a:rPr lang="en-IN" b="1" dirty="0"/>
+                        <a:t>Great Expectations</a:t>
+                      </a:r>
+                      <a:endParaRPr lang="en-IN" dirty="0"/>
+                    </a:p>
+                  </a:txBody>
+                  <a:tcPr anchor="ctr"/>
+                </a:tc>
+                <a:tc>
+                  <a:txBody>
+                    <a:bodyPr/>
+                    <a:lstStyle/>
+                    <a:p>
+                      <a:pPr>
+                        <a:buNone/>
+                      </a:pPr>
+                      <a:r>
+                        <a:rPr lang="en-US"/>
+                        <a:t>Open-source tool for defining, testing, and documenting data expectations</a:t>
+                      </a:r>
+                    </a:p>
+                  </a:txBody>
+                  <a:tcPr anchor="ctr"/>
+                </a:tc>
+                <a:tc>
+                  <a:txBody>
+                    <a:bodyPr/>
+                    <a:lstStyle/>
+                    <a:p>
+                      <a:pPr>
+                        <a:buNone/>
+                      </a:pPr>
+                      <a:r>
+                        <a:rPr lang="en-IN" dirty="0"/>
+                        <a:t>Python-based pipelines, ETL</a:t>
+                      </a:r>
+                    </a:p>
+                  </a:txBody>
+                  <a:tcPr anchor="ctr"/>
+                </a:tc>
+                <a:extLst>
+                  <a:ext uri="{0D108BD9-81ED-4DB2-BD59-A6C34878D82A}">
+                    <a16:rowId xmlns:a16="http://schemas.microsoft.com/office/drawing/2014/main" val="1190717952"/>
+                  </a:ext>
+                </a:extLst>
+              </a:tr>
+              <a:tr h="626855">
+                <a:tc>
+                  <a:txBody>
+                    <a:bodyPr/>
+                    <a:lstStyle/>
+                    <a:p>
+                      <a:pPr>
+                        <a:buNone/>
+                      </a:pPr>
+                      <a:r>
+                        <a:rPr lang="en-IN" b="1"/>
+                        <a:t>Deequ (by AWS)</a:t>
+                      </a:r>
+                      <a:endParaRPr lang="en-IN"/>
+                    </a:p>
+                  </a:txBody>
+                  <a:tcPr anchor="ctr"/>
+                </a:tc>
+                <a:tc>
+                  <a:txBody>
+                    <a:bodyPr/>
+                    <a:lstStyle/>
+                    <a:p>
+                      <a:pPr>
+                        <a:buNone/>
+                      </a:pPr>
+                      <a:r>
+                        <a:rPr lang="en-US"/>
+                        <a:t>Library for defining "unit tests" for data quality in Spark</a:t>
+                      </a:r>
+                    </a:p>
+                  </a:txBody>
+                  <a:tcPr anchor="ctr"/>
+                </a:tc>
+                <a:tc>
+                  <a:txBody>
+                    <a:bodyPr/>
+                    <a:lstStyle/>
+                    <a:p>
+                      <a:pPr>
+                        <a:buNone/>
+                      </a:pPr>
+                      <a:r>
+                        <a:rPr lang="en-US" dirty="0"/>
+                        <a:t>Big data validation in Spark</a:t>
+                      </a:r>
+                    </a:p>
+                  </a:txBody>
+                  <a:tcPr anchor="ctr"/>
+                </a:tc>
+                <a:extLst>
+                  <a:ext uri="{0D108BD9-81ED-4DB2-BD59-A6C34878D82A}">
+                    <a16:rowId xmlns:a16="http://schemas.microsoft.com/office/drawing/2014/main" val="695926050"/>
+                  </a:ext>
+                </a:extLst>
+              </a:tr>
+              <a:tr h="363178">
+                <a:tc>
+                  <a:txBody>
+                    <a:bodyPr/>
+                    <a:lstStyle/>
+                    <a:p>
+                      <a:pPr>
+                        <a:buNone/>
+                      </a:pPr>
+                      <a:r>
+                        <a:rPr lang="en-IN" b="1"/>
+                        <a:t>Cerberus</a:t>
+                      </a:r>
+                      <a:endParaRPr lang="en-IN"/>
+                    </a:p>
+                  </a:txBody>
+                  <a:tcPr anchor="ctr"/>
+                </a:tc>
+                <a:tc>
+                  <a:txBody>
+                    <a:bodyPr/>
+                    <a:lstStyle/>
+                    <a:p>
+                      <a:pPr>
+                        <a:buNone/>
+                      </a:pPr>
+                      <a:r>
+                        <a:rPr lang="en-IN" dirty="0"/>
+                        <a:t>Lightweight Python schema validator</a:t>
+                      </a:r>
+                    </a:p>
+                  </a:txBody>
+                  <a:tcPr anchor="ctr"/>
+                </a:tc>
+                <a:tc>
+                  <a:txBody>
+                    <a:bodyPr/>
+                    <a:lstStyle/>
+                    <a:p>
+                      <a:pPr>
+                        <a:buNone/>
+                      </a:pPr>
+                      <a:r>
+                        <a:rPr lang="en-US"/>
+                        <a:t>JSON and Python dict validation</a:t>
+                      </a:r>
+                    </a:p>
+                  </a:txBody>
+                  <a:tcPr anchor="ctr"/>
+                </a:tc>
+                <a:extLst>
+                  <a:ext uri="{0D108BD9-81ED-4DB2-BD59-A6C34878D82A}">
+                    <a16:rowId xmlns:a16="http://schemas.microsoft.com/office/drawing/2014/main" val="871402233"/>
+                  </a:ext>
+                </a:extLst>
+              </a:tr>
+              <a:tr h="363178">
+                <a:tc>
+                  <a:txBody>
+                    <a:bodyPr/>
+                    <a:lstStyle/>
+                    <a:p>
+                      <a:pPr>
+                        <a:buNone/>
+                      </a:pPr>
+                      <a:r>
+                        <a:rPr lang="en-IN" b="1"/>
+                        <a:t>Voluptuous</a:t>
+                      </a:r>
+                      <a:endParaRPr lang="en-IN"/>
+                    </a:p>
+                  </a:txBody>
+                  <a:tcPr anchor="ctr"/>
+                </a:tc>
+                <a:tc>
+                  <a:txBody>
+                    <a:bodyPr/>
+                    <a:lstStyle/>
+                    <a:p>
+                      <a:pPr>
+                        <a:buNone/>
+                      </a:pPr>
+                      <a:r>
+                        <a:rPr lang="en-US"/>
+                        <a:t>Python library for validating data structures</a:t>
+                      </a:r>
+                    </a:p>
+                  </a:txBody>
+                  <a:tcPr anchor="ctr"/>
+                </a:tc>
+                <a:tc>
+                  <a:txBody>
+                    <a:bodyPr/>
+                    <a:lstStyle/>
+                    <a:p>
+                      <a:pPr>
+                        <a:buNone/>
+                      </a:pPr>
+                      <a:r>
+                        <a:rPr lang="en-IN"/>
+                        <a:t>Config files, API payloads</a:t>
+                      </a:r>
+                    </a:p>
+                  </a:txBody>
+                  <a:tcPr anchor="ctr"/>
+                </a:tc>
+                <a:extLst>
+                  <a:ext uri="{0D108BD9-81ED-4DB2-BD59-A6C34878D82A}">
+                    <a16:rowId xmlns:a16="http://schemas.microsoft.com/office/drawing/2014/main" val="4285053053"/>
+                  </a:ext>
+                </a:extLst>
+              </a:tr>
+              <a:tr h="626855">
+                <a:tc>
+                  <a:txBody>
+                    <a:bodyPr/>
+                    <a:lstStyle/>
+                    <a:p>
+                      <a:pPr>
+                        <a:buNone/>
+                      </a:pPr>
+                      <a:r>
+                        <a:rPr lang="en-IN" b="1"/>
+                        <a:t>Atlan</a:t>
+                      </a:r>
+                      <a:endParaRPr lang="en-IN"/>
+                    </a:p>
+                  </a:txBody>
+                  <a:tcPr anchor="ctr"/>
+                </a:tc>
+                <a:tc>
+                  <a:txBody>
+                    <a:bodyPr/>
+                    <a:lstStyle/>
+                    <a:p>
+                      <a:pPr>
+                        <a:buNone/>
+                      </a:pPr>
+                      <a:r>
+                        <a:rPr lang="en-US"/>
+                        <a:t>Data governance platform with built-in validation workflows</a:t>
+                      </a:r>
+                    </a:p>
+                  </a:txBody>
+                  <a:tcPr anchor="ctr"/>
+                </a:tc>
+                <a:tc>
+                  <a:txBody>
+                    <a:bodyPr/>
+                    <a:lstStyle/>
+                    <a:p>
+                      <a:pPr>
+                        <a:buNone/>
+                      </a:pPr>
+                      <a:r>
+                        <a:rPr lang="en-IN"/>
+                        <a:t>Enterprise data catalogs</a:t>
+                      </a:r>
+                    </a:p>
+                  </a:txBody>
+                  <a:tcPr anchor="ctr"/>
+                </a:tc>
+                <a:extLst>
+                  <a:ext uri="{0D108BD9-81ED-4DB2-BD59-A6C34878D82A}">
+                    <a16:rowId xmlns:a16="http://schemas.microsoft.com/office/drawing/2014/main" val="3882379160"/>
+                  </a:ext>
+                </a:extLst>
+              </a:tr>
+              <a:tr h="626855">
+                <a:tc>
+                  <a:txBody>
+                    <a:bodyPr/>
+                    <a:lstStyle/>
+                    <a:p>
+                      <a:pPr>
+                        <a:buNone/>
+                      </a:pPr>
+                      <a:r>
+                        <a:rPr lang="en-IN" b="1"/>
+                        <a:t>Talend Data Quality</a:t>
+                      </a:r>
+                      <a:endParaRPr lang="en-IN"/>
+                    </a:p>
+                  </a:txBody>
+                  <a:tcPr anchor="ctr"/>
+                </a:tc>
+                <a:tc>
+                  <a:txBody>
+                    <a:bodyPr/>
+                    <a:lstStyle/>
+                    <a:p>
+                      <a:pPr>
+                        <a:buNone/>
+                      </a:pPr>
+                      <a:r>
+                        <a:rPr lang="en-US"/>
+                        <a:t>GUI-based tool for profiling, cleansing, and validating data</a:t>
+                      </a:r>
+                    </a:p>
+                  </a:txBody>
+                  <a:tcPr anchor="ctr"/>
+                </a:tc>
+                <a:tc>
+                  <a:txBody>
+                    <a:bodyPr/>
+                    <a:lstStyle/>
+                    <a:p>
+                      <a:pPr>
+                        <a:buNone/>
+                      </a:pPr>
+                      <a:r>
+                        <a:rPr lang="en-IN"/>
+                        <a:t>ETL and business intelligence</a:t>
+                      </a:r>
+                    </a:p>
+                  </a:txBody>
+                  <a:tcPr anchor="ctr"/>
+                </a:tc>
+                <a:extLst>
+                  <a:ext uri="{0D108BD9-81ED-4DB2-BD59-A6C34878D82A}">
+                    <a16:rowId xmlns:a16="http://schemas.microsoft.com/office/drawing/2014/main" val="436747537"/>
+                  </a:ext>
+                </a:extLst>
+              </a:tr>
+              <a:tr h="626855">
+                <a:tc>
+                  <a:txBody>
+                    <a:bodyPr/>
+                    <a:lstStyle/>
+                    <a:p>
+                      <a:pPr>
+                        <a:buNone/>
+                      </a:pPr>
+                      <a:r>
+                        <a:rPr lang="en-IN" b="1"/>
+                        <a:t>DataCleaner</a:t>
+                      </a:r>
+                      <a:endParaRPr lang="en-IN"/>
+                    </a:p>
+                  </a:txBody>
+                  <a:tcPr anchor="ctr"/>
+                </a:tc>
+                <a:tc>
+                  <a:txBody>
+                    <a:bodyPr/>
+                    <a:lstStyle/>
+                    <a:p>
+                      <a:pPr>
+                        <a:buNone/>
+                      </a:pPr>
+                      <a:r>
+                        <a:rPr lang="en-US"/>
+                        <a:t>Java-based tool for profiling and validating structured data</a:t>
+                      </a:r>
+                    </a:p>
+                  </a:txBody>
+                  <a:tcPr anchor="ctr"/>
+                </a:tc>
+                <a:tc>
+                  <a:txBody>
+                    <a:bodyPr/>
+                    <a:lstStyle/>
+                    <a:p>
+                      <a:pPr>
+                        <a:buNone/>
+                      </a:pPr>
+                      <a:r>
+                        <a:rPr lang="en-IN"/>
+                        <a:t>Batch validation and cleansing</a:t>
+                      </a:r>
+                    </a:p>
+                  </a:txBody>
+                  <a:tcPr anchor="ctr"/>
+                </a:tc>
+                <a:extLst>
+                  <a:ext uri="{0D108BD9-81ED-4DB2-BD59-A6C34878D82A}">
+                    <a16:rowId xmlns:a16="http://schemas.microsoft.com/office/drawing/2014/main" val="545842256"/>
+                  </a:ext>
+                </a:extLst>
+              </a:tr>
+              <a:tr h="363178">
+                <a:tc>
+                  <a:txBody>
+                    <a:bodyPr/>
+                    <a:lstStyle/>
+                    <a:p>
+                      <a:pPr>
+                        <a:buNone/>
+                      </a:pPr>
+                      <a:r>
+                        <a:rPr lang="en-IN" b="1"/>
+                        <a:t>OpenRefine</a:t>
+                      </a:r>
+                      <a:endParaRPr lang="en-IN"/>
+                    </a:p>
+                  </a:txBody>
+                  <a:tcPr anchor="ctr"/>
+                </a:tc>
+                <a:tc>
+                  <a:txBody>
+                    <a:bodyPr/>
+                    <a:lstStyle/>
+                    <a:p>
+                      <a:pPr>
+                        <a:buNone/>
+                      </a:pPr>
+                      <a:r>
+                        <a:rPr lang="en-US"/>
+                        <a:t>Tool for cleaning and transforming messy data</a:t>
+                      </a:r>
+                    </a:p>
+                  </a:txBody>
+                  <a:tcPr anchor="ctr"/>
+                </a:tc>
+                <a:tc>
+                  <a:txBody>
+                    <a:bodyPr/>
+                    <a:lstStyle/>
+                    <a:p>
+                      <a:pPr>
+                        <a:buNone/>
+                      </a:pPr>
+                      <a:r>
+                        <a:rPr lang="en-US" dirty="0"/>
+                        <a:t>CSV/Excel cleanup and validation</a:t>
+                      </a:r>
+                    </a:p>
+                  </a:txBody>
+                  <a:tcPr anchor="ctr"/>
+                </a:tc>
+                <a:extLst>
+                  <a:ext uri="{0D108BD9-81ED-4DB2-BD59-A6C34878D82A}">
+                    <a16:rowId xmlns:a16="http://schemas.microsoft.com/office/drawing/2014/main" val="3353789445"/>
+                  </a:ext>
+                </a:extLst>
+              </a:tr>
+            </a:tbl>
+          </a:graphicData>
+        </a:graphic>
+      </p:graphicFrame>
     </p:spTree>
     <p:extLst>
       <p:ext uri="{BB962C8B-B14F-4D97-AF65-F5344CB8AC3E}">
-        <p14:creationId xmlns:p14="http://schemas.microsoft.com/office/powerpoint/2010/main" val="1195287565"/>
+        <p14:creationId xmlns:p14="http://schemas.microsoft.com/office/powerpoint/2010/main" val="816077926"/>
       </p:ext>
     </p:extLst>
   </p:cSld>
@@ -4037,6 +5037,1574 @@
 </file>
 
 <file path=ppt/slides/slide11.xml><?xml version="1.0" encoding="utf-8"?>
+<p:sld xmlns:a="http://schemas.openxmlformats.org/drawingml/2006/main" xmlns:r="http://schemas.openxmlformats.org/officeDocument/2006/relationships" xmlns:p="http://schemas.openxmlformats.org/presentationml/2006/main">
+  <p:cSld>
+    <p:spTree>
+      <p:nvGrpSpPr>
+        <p:cNvPr id="1" name="">
+          <a:extLst>
+            <a:ext uri="{FF2B5EF4-FFF2-40B4-BE49-F238E27FC236}">
+              <a16:creationId xmlns:a16="http://schemas.microsoft.com/office/drawing/2014/main" id="{E19FD91C-214C-E3D1-EC7D-4E768DD032B5}"/>
+            </a:ext>
+          </a:extLst>
+        </p:cNvPr>
+        <p:cNvGrpSpPr/>
+        <p:nvPr/>
+      </p:nvGrpSpPr>
+      <p:grpSpPr>
+        <a:xfrm>
+          <a:off x="0" y="0"/>
+          <a:ext cx="0" cy="0"/>
+          <a:chOff x="0" y="0"/>
+          <a:chExt cx="0" cy="0"/>
+        </a:xfrm>
+      </p:grpSpPr>
+      <p:pic>
+        <p:nvPicPr>
+          <p:cNvPr id="9" name="Picture 8">
+            <a:extLst>
+              <a:ext uri="{FF2B5EF4-FFF2-40B4-BE49-F238E27FC236}">
+                <a16:creationId xmlns:a16="http://schemas.microsoft.com/office/drawing/2014/main" id="{3A4676F5-684F-EB92-45F6-A58D445E1ED0}"/>
+              </a:ext>
+            </a:extLst>
+          </p:cNvPr>
+          <p:cNvPicPr>
+            <a:picLocks noChangeAspect="1"/>
+          </p:cNvPicPr>
+          <p:nvPr/>
+        </p:nvPicPr>
+        <p:blipFill>
+          <a:blip r:embed="rId2">
+            <a:extLst>
+              <a:ext uri="{28A0092B-C50C-407E-A947-70E740481C1C}">
+                <a14:useLocalDpi xmlns:a14="http://schemas.microsoft.com/office/drawing/2010/main" val="0"/>
+              </a:ext>
+            </a:extLst>
+          </a:blip>
+          <a:stretch>
+            <a:fillRect/>
+          </a:stretch>
+        </p:blipFill>
+        <p:spPr>
+          <a:xfrm>
+            <a:off x="0" y="4707"/>
+            <a:ext cx="12192000" cy="6853293"/>
+          </a:xfrm>
+          <a:prstGeom prst="rect">
+            <a:avLst/>
+          </a:prstGeom>
+        </p:spPr>
+      </p:pic>
+      <p:sp>
+        <p:nvSpPr>
+          <p:cNvPr id="12" name="Title 11">
+            <a:extLst>
+              <a:ext uri="{FF2B5EF4-FFF2-40B4-BE49-F238E27FC236}">
+                <a16:creationId xmlns:a16="http://schemas.microsoft.com/office/drawing/2014/main" id="{3034F90D-9357-15C5-31EC-73A839729591}"/>
+              </a:ext>
+            </a:extLst>
+          </p:cNvPr>
+          <p:cNvSpPr>
+            <a:spLocks noGrp="1"/>
+          </p:cNvSpPr>
+          <p:nvPr>
+            <p:ph type="title"/>
+          </p:nvPr>
+        </p:nvSpPr>
+        <p:spPr>
+          <a:xfrm>
+            <a:off x="838200" y="884421"/>
+            <a:ext cx="10515600" cy="1377516"/>
+          </a:xfrm>
+        </p:spPr>
+        <p:txBody>
+          <a:bodyPr>
+            <a:normAutofit/>
+          </a:bodyPr>
+          <a:lstStyle/>
+          <a:p>
+            <a:r>
+              <a:rPr lang="en-IN" b="1" dirty="0">
+                <a:solidFill>
+                  <a:srgbClr val="C00000"/>
+                </a:solidFill>
+              </a:rPr>
+              <a:t>Key Data Validation Process</a:t>
+            </a:r>
+            <a:br>
+              <a:rPr lang="en-IN" b="1" dirty="0">
+                <a:solidFill>
+                  <a:srgbClr val="C00000"/>
+                </a:solidFill>
+              </a:rPr>
+            </a:br>
+            <a:endParaRPr lang="en-IN" b="1" dirty="0">
+              <a:solidFill>
+                <a:srgbClr val="C00000"/>
+              </a:solidFill>
+            </a:endParaRPr>
+          </a:p>
+        </p:txBody>
+      </p:sp>
+      <p:sp>
+        <p:nvSpPr>
+          <p:cNvPr id="10" name="Rectangle 4">
+            <a:extLst>
+              <a:ext uri="{FF2B5EF4-FFF2-40B4-BE49-F238E27FC236}">
+                <a16:creationId xmlns:a16="http://schemas.microsoft.com/office/drawing/2014/main" id="{2BCB81F2-FC28-C4E0-B7B0-31EF56A44B34}"/>
+              </a:ext>
+            </a:extLst>
+          </p:cNvPr>
+          <p:cNvSpPr>
+            <a:spLocks noGrp="1" noChangeArrowheads="1"/>
+          </p:cNvSpPr>
+          <p:nvPr>
+            <p:ph idx="1"/>
+          </p:nvPr>
+        </p:nvSpPr>
+        <p:spPr bwMode="auto">
+          <a:xfrm>
+            <a:off x="838200" y="1838249"/>
+            <a:ext cx="10884108" cy="3816429"/>
+          </a:xfrm>
+          <a:prstGeom prst="rect">
+            <a:avLst/>
+          </a:prstGeom>
+          <a:noFill/>
+          <a:ln>
+            <a:noFill/>
+          </a:ln>
+          <a:effectLst/>
+          <a:extLst>
+            <a:ext uri="{909E8E84-426E-40DD-AFC4-6F175D3DCCD1}">
+              <a14:hiddenFill xmlns:a14="http://schemas.microsoft.com/office/drawing/2010/main">
+                <a:solidFill>
+                  <a:schemeClr val="accent1"/>
+                </a:solidFill>
+              </a14:hiddenFill>
+            </a:ext>
+            <a:ext uri="{91240B29-F687-4F45-9708-019B960494DF}">
+              <a14:hiddenLine xmlns:a14="http://schemas.microsoft.com/office/drawing/2010/main" w="9525">
+                <a:solidFill>
+                  <a:schemeClr val="tx1"/>
+                </a:solidFill>
+                <a:miter lim="800000"/>
+                <a:headEnd/>
+                <a:tailEnd/>
+              </a14:hiddenLine>
+            </a:ext>
+            <a:ext uri="{AF507438-7753-43E0-B8FC-AC1667EBCBE1}">
+              <a14:hiddenEffects xmlns:a14="http://schemas.microsoft.com/office/drawing/2010/main">
+                <a:effectLst>
+                  <a:outerShdw dist="35921" dir="2700000" algn="ctr" rotWithShape="0">
+                    <a:schemeClr val="bg2"/>
+                  </a:outerShdw>
+                </a:effectLst>
+              </a14:hiddenEffects>
+            </a:ext>
+          </a:extLst>
+        </p:spPr>
+        <p:txBody>
+          <a:bodyPr vert="horz" wrap="square" lIns="91440" tIns="45720" rIns="91440" bIns="45720" numCol="1" anchor="ctr" anchorCtr="0" compatLnSpc="1">
+            <a:prstTxWarp prst="textNoShape">
+              <a:avLst/>
+            </a:prstTxWarp>
+            <a:spAutoFit/>
+          </a:bodyPr>
+          <a:lstStyle/>
+          <a:p>
+            <a:pPr marL="0" marR="0" lvl="0" indent="0" algn="l" defTabSz="914400" rtl="0" eaLnBrk="0" fontAlgn="base" latinLnBrk="0" hangingPunct="0">
+              <a:lnSpc>
+                <a:spcPct val="100000"/>
+              </a:lnSpc>
+              <a:spcBef>
+                <a:spcPct val="0"/>
+              </a:spcBef>
+              <a:spcAft>
+                <a:spcPct val="0"/>
+              </a:spcAft>
+              <a:buClrTx/>
+              <a:buSzTx/>
+              <a:buFontTx/>
+              <a:buNone/>
+              <a:tabLst/>
+            </a:pPr>
+            <a:r>
+              <a:rPr lang="en-US" altLang="en-US" b="1" dirty="0">
+                <a:solidFill>
+                  <a:srgbClr val="FF0000"/>
+                </a:solidFill>
+              </a:rPr>
+              <a:t>Schema Validation</a:t>
+            </a:r>
+          </a:p>
+          <a:p>
+            <a:pPr eaLnBrk="0" fontAlgn="base" hangingPunct="0">
+              <a:lnSpc>
+                <a:spcPct val="100000"/>
+              </a:lnSpc>
+              <a:spcBef>
+                <a:spcPct val="0"/>
+              </a:spcBef>
+              <a:spcAft>
+                <a:spcPct val="0"/>
+              </a:spcAft>
+            </a:pPr>
+            <a:r>
+              <a:rPr lang="en-US" altLang="en-US" dirty="0">
+                <a:solidFill>
+                  <a:srgbClr val="002060"/>
+                </a:solidFill>
+              </a:rPr>
+              <a:t>Ensures data conforms to expected structure: field names, types, constraints. </a:t>
+            </a:r>
+          </a:p>
+          <a:p>
+            <a:pPr eaLnBrk="0" fontAlgn="base" hangingPunct="0">
+              <a:lnSpc>
+                <a:spcPct val="100000"/>
+              </a:lnSpc>
+              <a:spcBef>
+                <a:spcPct val="0"/>
+              </a:spcBef>
+              <a:spcAft>
+                <a:spcPct val="0"/>
+              </a:spcAft>
+            </a:pPr>
+            <a:r>
+              <a:rPr lang="en-US" altLang="en-US" b="1" dirty="0">
+                <a:solidFill>
+                  <a:srgbClr val="00B050"/>
+                </a:solidFill>
+              </a:rPr>
+              <a:t>Example: </a:t>
+            </a:r>
+            <a:r>
+              <a:rPr lang="en-US" altLang="en-US" dirty="0" err="1">
+                <a:solidFill>
+                  <a:srgbClr val="002060"/>
+                </a:solidFill>
+              </a:rPr>
+              <a:t>customer_id</a:t>
+            </a:r>
+            <a:r>
+              <a:rPr lang="en-US" altLang="en-US" dirty="0">
+                <a:solidFill>
+                  <a:srgbClr val="002060"/>
+                </a:solidFill>
+              </a:rPr>
+              <a:t> must be an integer, email must be a string. </a:t>
+            </a:r>
+          </a:p>
+          <a:p>
+            <a:pPr marL="0" marR="0" lvl="0" indent="0" algn="l" defTabSz="914400" rtl="0" eaLnBrk="0" fontAlgn="base" latinLnBrk="0" hangingPunct="0">
+              <a:lnSpc>
+                <a:spcPct val="100000"/>
+              </a:lnSpc>
+              <a:spcBef>
+                <a:spcPct val="0"/>
+              </a:spcBef>
+              <a:spcAft>
+                <a:spcPct val="0"/>
+              </a:spcAft>
+              <a:buClrTx/>
+              <a:buSzTx/>
+              <a:buFontTx/>
+              <a:buNone/>
+              <a:tabLst/>
+            </a:pPr>
+            <a:r>
+              <a:rPr lang="en-US" altLang="en-US" b="1" dirty="0">
+                <a:solidFill>
+                  <a:srgbClr val="FF0000"/>
+                </a:solidFill>
+              </a:rPr>
+              <a:t>Format &amp; Type Checks</a:t>
+            </a:r>
+          </a:p>
+          <a:p>
+            <a:pPr eaLnBrk="0" fontAlgn="base" hangingPunct="0">
+              <a:lnSpc>
+                <a:spcPct val="100000"/>
+              </a:lnSpc>
+              <a:spcBef>
+                <a:spcPct val="0"/>
+              </a:spcBef>
+              <a:spcAft>
+                <a:spcPct val="0"/>
+              </a:spcAft>
+            </a:pPr>
+            <a:r>
+              <a:rPr lang="en-US" altLang="en-US" dirty="0">
+                <a:solidFill>
+                  <a:srgbClr val="002060"/>
+                </a:solidFill>
+              </a:rPr>
+              <a:t>Verifies that values match expected formats (e.g., dates as YYYY-MM-DD, phone numbers). </a:t>
+            </a:r>
+          </a:p>
+          <a:p>
+            <a:pPr eaLnBrk="0" fontAlgn="base" hangingPunct="0">
+              <a:lnSpc>
+                <a:spcPct val="100000"/>
+              </a:lnSpc>
+              <a:spcBef>
+                <a:spcPct val="0"/>
+              </a:spcBef>
+              <a:spcAft>
+                <a:spcPct val="0"/>
+              </a:spcAft>
+            </a:pPr>
+            <a:r>
+              <a:rPr lang="en-US" altLang="en-US" dirty="0">
+                <a:solidFill>
+                  <a:srgbClr val="002060"/>
+                </a:solidFill>
+              </a:rPr>
+              <a:t>Prevents malformed entries from breaking downstream logic. </a:t>
+            </a:r>
+          </a:p>
+          <a:p>
+            <a:pPr marL="0" marR="0" lvl="0" indent="0" algn="l" defTabSz="914400" rtl="0" eaLnBrk="0" fontAlgn="base" latinLnBrk="0" hangingPunct="0">
+              <a:lnSpc>
+                <a:spcPct val="100000"/>
+              </a:lnSpc>
+              <a:spcBef>
+                <a:spcPct val="0"/>
+              </a:spcBef>
+              <a:spcAft>
+                <a:spcPct val="0"/>
+              </a:spcAft>
+              <a:buClrTx/>
+              <a:buSzTx/>
+              <a:buFontTx/>
+              <a:buNone/>
+              <a:tabLst/>
+            </a:pPr>
+            <a:endParaRPr kumimoji="0" lang="en-US" altLang="en-US" sz="1800" b="0" i="0" u="none" strike="noStrike" cap="none" normalizeH="0" baseline="0" dirty="0">
+              <a:ln>
+                <a:noFill/>
+              </a:ln>
+              <a:solidFill>
+                <a:schemeClr val="tx1"/>
+              </a:solidFill>
+              <a:effectLst/>
+              <a:latin typeface="Arial" panose="020B0604020202020204" pitchFamily="34" charset="0"/>
+            </a:endParaRPr>
+          </a:p>
+        </p:txBody>
+      </p:sp>
+    </p:spTree>
+    <p:extLst>
+      <p:ext uri="{BB962C8B-B14F-4D97-AF65-F5344CB8AC3E}">
+        <p14:creationId xmlns:p14="http://schemas.microsoft.com/office/powerpoint/2010/main" val="2384032704"/>
+      </p:ext>
+    </p:extLst>
+  </p:cSld>
+  <p:clrMapOvr>
+    <a:masterClrMapping/>
+  </p:clrMapOvr>
+</p:sld>
+</file>
+
+<file path=ppt/slides/slide12.xml><?xml version="1.0" encoding="utf-8"?>
+<p:sld xmlns:a="http://schemas.openxmlformats.org/drawingml/2006/main" xmlns:r="http://schemas.openxmlformats.org/officeDocument/2006/relationships" xmlns:p="http://schemas.openxmlformats.org/presentationml/2006/main">
+  <p:cSld>
+    <p:spTree>
+      <p:nvGrpSpPr>
+        <p:cNvPr id="1" name="">
+          <a:extLst>
+            <a:ext uri="{FF2B5EF4-FFF2-40B4-BE49-F238E27FC236}">
+              <a16:creationId xmlns:a16="http://schemas.microsoft.com/office/drawing/2014/main" id="{097511C3-E8A4-E34D-5787-3593B886737F}"/>
+            </a:ext>
+          </a:extLst>
+        </p:cNvPr>
+        <p:cNvGrpSpPr/>
+        <p:nvPr/>
+      </p:nvGrpSpPr>
+      <p:grpSpPr>
+        <a:xfrm>
+          <a:off x="0" y="0"/>
+          <a:ext cx="0" cy="0"/>
+          <a:chOff x="0" y="0"/>
+          <a:chExt cx="0" cy="0"/>
+        </a:xfrm>
+      </p:grpSpPr>
+      <p:pic>
+        <p:nvPicPr>
+          <p:cNvPr id="9" name="Picture 8">
+            <a:extLst>
+              <a:ext uri="{FF2B5EF4-FFF2-40B4-BE49-F238E27FC236}">
+                <a16:creationId xmlns:a16="http://schemas.microsoft.com/office/drawing/2014/main" id="{8BE7DB0F-A3BB-278D-827A-297E6C420203}"/>
+              </a:ext>
+            </a:extLst>
+          </p:cNvPr>
+          <p:cNvPicPr>
+            <a:picLocks noChangeAspect="1"/>
+          </p:cNvPicPr>
+          <p:nvPr/>
+        </p:nvPicPr>
+        <p:blipFill>
+          <a:blip r:embed="rId2">
+            <a:extLst>
+              <a:ext uri="{28A0092B-C50C-407E-A947-70E740481C1C}">
+                <a14:useLocalDpi xmlns:a14="http://schemas.microsoft.com/office/drawing/2010/main" val="0"/>
+              </a:ext>
+            </a:extLst>
+          </a:blip>
+          <a:stretch>
+            <a:fillRect/>
+          </a:stretch>
+        </p:blipFill>
+        <p:spPr>
+          <a:xfrm>
+            <a:off x="0" y="4707"/>
+            <a:ext cx="12192000" cy="6853293"/>
+          </a:xfrm>
+          <a:prstGeom prst="rect">
+            <a:avLst/>
+          </a:prstGeom>
+        </p:spPr>
+      </p:pic>
+      <p:sp>
+        <p:nvSpPr>
+          <p:cNvPr id="12" name="Title 11">
+            <a:extLst>
+              <a:ext uri="{FF2B5EF4-FFF2-40B4-BE49-F238E27FC236}">
+                <a16:creationId xmlns:a16="http://schemas.microsoft.com/office/drawing/2014/main" id="{EAAEE9F2-3394-4A1C-D987-24209C852224}"/>
+              </a:ext>
+            </a:extLst>
+          </p:cNvPr>
+          <p:cNvSpPr>
+            <a:spLocks noGrp="1"/>
+          </p:cNvSpPr>
+          <p:nvPr>
+            <p:ph type="title"/>
+          </p:nvPr>
+        </p:nvSpPr>
+        <p:spPr>
+          <a:xfrm>
+            <a:off x="838200" y="884421"/>
+            <a:ext cx="10515600" cy="561643"/>
+          </a:xfrm>
+        </p:spPr>
+        <p:txBody>
+          <a:bodyPr>
+            <a:normAutofit fontScale="90000"/>
+          </a:bodyPr>
+          <a:lstStyle/>
+          <a:p>
+            <a:br>
+              <a:rPr lang="en-IN" b="1" dirty="0">
+                <a:solidFill>
+                  <a:srgbClr val="C00000"/>
+                </a:solidFill>
+              </a:rPr>
+            </a:br>
+            <a:r>
+              <a:rPr lang="en-IN" b="1" dirty="0">
+                <a:solidFill>
+                  <a:srgbClr val="C00000"/>
+                </a:solidFill>
+              </a:rPr>
+              <a:t>Key Data Validation Process</a:t>
+            </a:r>
+            <a:br>
+              <a:rPr lang="en-IN" b="1" dirty="0">
+                <a:solidFill>
+                  <a:srgbClr val="C00000"/>
+                </a:solidFill>
+              </a:rPr>
+            </a:br>
+            <a:endParaRPr lang="en-IN" b="1" dirty="0">
+              <a:solidFill>
+                <a:srgbClr val="C00000"/>
+              </a:solidFill>
+            </a:endParaRPr>
+          </a:p>
+        </p:txBody>
+      </p:sp>
+      <p:sp>
+        <p:nvSpPr>
+          <p:cNvPr id="10" name="Rectangle 4">
+            <a:extLst>
+              <a:ext uri="{FF2B5EF4-FFF2-40B4-BE49-F238E27FC236}">
+                <a16:creationId xmlns:a16="http://schemas.microsoft.com/office/drawing/2014/main" id="{2FB464CC-2B7F-3F09-2BC6-62920C2402F5}"/>
+              </a:ext>
+            </a:extLst>
+          </p:cNvPr>
+          <p:cNvSpPr>
+            <a:spLocks noGrp="1" noChangeArrowheads="1"/>
+          </p:cNvSpPr>
+          <p:nvPr>
+            <p:ph idx="1"/>
+          </p:nvPr>
+        </p:nvSpPr>
+        <p:spPr bwMode="auto">
+          <a:xfrm>
+            <a:off x="838200" y="1706235"/>
+            <a:ext cx="10884108" cy="2821285"/>
+          </a:xfrm>
+          <a:prstGeom prst="rect">
+            <a:avLst/>
+          </a:prstGeom>
+          <a:noFill/>
+          <a:ln>
+            <a:noFill/>
+          </a:ln>
+          <a:effectLst/>
+          <a:extLst>
+            <a:ext uri="{909E8E84-426E-40DD-AFC4-6F175D3DCCD1}">
+              <a14:hiddenFill xmlns:a14="http://schemas.microsoft.com/office/drawing/2010/main">
+                <a:solidFill>
+                  <a:schemeClr val="accent1"/>
+                </a:solidFill>
+              </a14:hiddenFill>
+            </a:ext>
+            <a:ext uri="{91240B29-F687-4F45-9708-019B960494DF}">
+              <a14:hiddenLine xmlns:a14="http://schemas.microsoft.com/office/drawing/2010/main" w="9525">
+                <a:solidFill>
+                  <a:schemeClr val="tx1"/>
+                </a:solidFill>
+                <a:miter lim="800000"/>
+                <a:headEnd/>
+                <a:tailEnd/>
+              </a14:hiddenLine>
+            </a:ext>
+            <a:ext uri="{AF507438-7753-43E0-B8FC-AC1667EBCBE1}">
+              <a14:hiddenEffects xmlns:a14="http://schemas.microsoft.com/office/drawing/2010/main">
+                <a:effectLst>
+                  <a:outerShdw dist="35921" dir="2700000" algn="ctr" rotWithShape="0">
+                    <a:schemeClr val="bg2"/>
+                  </a:outerShdw>
+                </a:effectLst>
+              </a14:hiddenEffects>
+            </a:ext>
+          </a:extLst>
+        </p:spPr>
+        <p:txBody>
+          <a:bodyPr vert="horz" wrap="square" lIns="91440" tIns="45720" rIns="91440" bIns="45720" numCol="1" anchor="ctr" anchorCtr="0" compatLnSpc="1">
+            <a:prstTxWarp prst="textNoShape">
+              <a:avLst/>
+            </a:prstTxWarp>
+            <a:spAutoFit/>
+          </a:bodyPr>
+          <a:lstStyle/>
+          <a:p>
+            <a:pPr marL="0" indent="0">
+              <a:buNone/>
+            </a:pPr>
+            <a:r>
+              <a:rPr lang="en-US" b="1" dirty="0">
+                <a:solidFill>
+                  <a:srgbClr val="FF0000"/>
+                </a:solidFill>
+              </a:rPr>
+              <a:t>Range &amp; Constraint Checks</a:t>
+            </a:r>
+            <a:endParaRPr lang="en-US" dirty="0">
+              <a:solidFill>
+                <a:srgbClr val="FF0000"/>
+              </a:solidFill>
+            </a:endParaRPr>
+          </a:p>
+          <a:p>
+            <a:r>
+              <a:rPr lang="en-US" dirty="0">
+                <a:solidFill>
+                  <a:srgbClr val="002060"/>
+                </a:solidFill>
+              </a:rPr>
+              <a:t>Ensures values fall within acceptable ranges.</a:t>
+            </a:r>
+          </a:p>
+          <a:p>
+            <a:r>
+              <a:rPr lang="en-US" dirty="0">
+                <a:solidFill>
+                  <a:srgbClr val="002060"/>
+                </a:solidFill>
+              </a:rPr>
+              <a:t>Example: Age must be between 0 and 120.</a:t>
+            </a:r>
+          </a:p>
+          <a:p>
+            <a:pPr marL="0" indent="0">
+              <a:buNone/>
+            </a:pPr>
+            <a:r>
+              <a:rPr lang="en-US" b="1" dirty="0">
+                <a:solidFill>
+                  <a:srgbClr val="FF0000"/>
+                </a:solidFill>
+              </a:rPr>
+              <a:t>Uniqueness &amp; Duplication Checks</a:t>
+            </a:r>
+            <a:endParaRPr lang="en-US" dirty="0">
+              <a:solidFill>
+                <a:srgbClr val="FF0000"/>
+              </a:solidFill>
+            </a:endParaRPr>
+          </a:p>
+          <a:p>
+            <a:r>
+              <a:rPr lang="en-US" dirty="0">
+                <a:solidFill>
+                  <a:srgbClr val="002060"/>
+                </a:solidFill>
+              </a:rPr>
+              <a:t>Detects duplicate records or ensures unique keys (e.g., email, ID).</a:t>
+            </a:r>
+          </a:p>
+          <a:p>
+            <a:pPr marL="0" marR="0" lvl="0" indent="0" algn="l" defTabSz="914400" rtl="0" eaLnBrk="0" fontAlgn="base" latinLnBrk="0" hangingPunct="0">
+              <a:lnSpc>
+                <a:spcPct val="100000"/>
+              </a:lnSpc>
+              <a:spcBef>
+                <a:spcPct val="0"/>
+              </a:spcBef>
+              <a:spcAft>
+                <a:spcPct val="0"/>
+              </a:spcAft>
+              <a:buClrTx/>
+              <a:buSzTx/>
+              <a:buFontTx/>
+              <a:buNone/>
+              <a:tabLst/>
+            </a:pPr>
+            <a:endParaRPr kumimoji="0" lang="en-US" altLang="en-US" sz="1800" b="0" i="0" u="none" strike="noStrike" cap="none" normalizeH="0" baseline="0" dirty="0">
+              <a:ln>
+                <a:noFill/>
+              </a:ln>
+              <a:solidFill>
+                <a:schemeClr val="tx1"/>
+              </a:solidFill>
+              <a:effectLst/>
+              <a:latin typeface="Arial" panose="020B0604020202020204" pitchFamily="34" charset="0"/>
+            </a:endParaRPr>
+          </a:p>
+        </p:txBody>
+      </p:sp>
+    </p:spTree>
+    <p:extLst>
+      <p:ext uri="{BB962C8B-B14F-4D97-AF65-F5344CB8AC3E}">
+        <p14:creationId xmlns:p14="http://schemas.microsoft.com/office/powerpoint/2010/main" val="2581992404"/>
+      </p:ext>
+    </p:extLst>
+  </p:cSld>
+  <p:clrMapOvr>
+    <a:masterClrMapping/>
+  </p:clrMapOvr>
+</p:sld>
+</file>
+
+<file path=ppt/slides/slide13.xml><?xml version="1.0" encoding="utf-8"?>
+<p:sld xmlns:a="http://schemas.openxmlformats.org/drawingml/2006/main" xmlns:r="http://schemas.openxmlformats.org/officeDocument/2006/relationships" xmlns:p="http://schemas.openxmlformats.org/presentationml/2006/main">
+  <p:cSld>
+    <p:spTree>
+      <p:nvGrpSpPr>
+        <p:cNvPr id="1" name="">
+          <a:extLst>
+            <a:ext uri="{FF2B5EF4-FFF2-40B4-BE49-F238E27FC236}">
+              <a16:creationId xmlns:a16="http://schemas.microsoft.com/office/drawing/2014/main" id="{9182DED7-B7F2-ED8C-0569-981AD9334A81}"/>
+            </a:ext>
+          </a:extLst>
+        </p:cNvPr>
+        <p:cNvGrpSpPr/>
+        <p:nvPr/>
+      </p:nvGrpSpPr>
+      <p:grpSpPr>
+        <a:xfrm>
+          <a:off x="0" y="0"/>
+          <a:ext cx="0" cy="0"/>
+          <a:chOff x="0" y="0"/>
+          <a:chExt cx="0" cy="0"/>
+        </a:xfrm>
+      </p:grpSpPr>
+      <p:pic>
+        <p:nvPicPr>
+          <p:cNvPr id="9" name="Picture 8">
+            <a:extLst>
+              <a:ext uri="{FF2B5EF4-FFF2-40B4-BE49-F238E27FC236}">
+                <a16:creationId xmlns:a16="http://schemas.microsoft.com/office/drawing/2014/main" id="{A1A3639B-C4A2-9961-EBC3-DBC4F8DF81D4}"/>
+              </a:ext>
+            </a:extLst>
+          </p:cNvPr>
+          <p:cNvPicPr>
+            <a:picLocks noChangeAspect="1"/>
+          </p:cNvPicPr>
+          <p:nvPr/>
+        </p:nvPicPr>
+        <p:blipFill>
+          <a:blip r:embed="rId2">
+            <a:extLst>
+              <a:ext uri="{28A0092B-C50C-407E-A947-70E740481C1C}">
+                <a14:useLocalDpi xmlns:a14="http://schemas.microsoft.com/office/drawing/2010/main" val="0"/>
+              </a:ext>
+            </a:extLst>
+          </a:blip>
+          <a:stretch>
+            <a:fillRect/>
+          </a:stretch>
+        </p:blipFill>
+        <p:spPr>
+          <a:xfrm>
+            <a:off x="0" y="4707"/>
+            <a:ext cx="12192000" cy="6853293"/>
+          </a:xfrm>
+          <a:prstGeom prst="rect">
+            <a:avLst/>
+          </a:prstGeom>
+        </p:spPr>
+      </p:pic>
+      <p:sp>
+        <p:nvSpPr>
+          <p:cNvPr id="12" name="Title 11">
+            <a:extLst>
+              <a:ext uri="{FF2B5EF4-FFF2-40B4-BE49-F238E27FC236}">
+                <a16:creationId xmlns:a16="http://schemas.microsoft.com/office/drawing/2014/main" id="{8C90395B-1407-E588-EA3A-8E81BD871424}"/>
+              </a:ext>
+            </a:extLst>
+          </p:cNvPr>
+          <p:cNvSpPr>
+            <a:spLocks noGrp="1"/>
+          </p:cNvSpPr>
+          <p:nvPr>
+            <p:ph type="title"/>
+          </p:nvPr>
+        </p:nvSpPr>
+        <p:spPr>
+          <a:xfrm>
+            <a:off x="838200" y="365125"/>
+            <a:ext cx="10515600" cy="549275"/>
+          </a:xfrm>
+        </p:spPr>
+        <p:txBody>
+          <a:bodyPr>
+            <a:normAutofit fontScale="90000"/>
+          </a:bodyPr>
+          <a:lstStyle/>
+          <a:p>
+            <a:br>
+              <a:rPr lang="en-IN" b="1" dirty="0">
+                <a:solidFill>
+                  <a:srgbClr val="C00000"/>
+                </a:solidFill>
+              </a:rPr>
+            </a:br>
+            <a:br>
+              <a:rPr lang="en-IN" b="1" dirty="0">
+                <a:solidFill>
+                  <a:srgbClr val="C00000"/>
+                </a:solidFill>
+              </a:rPr>
+            </a:br>
+            <a:br>
+              <a:rPr lang="en-IN" b="1" dirty="0">
+                <a:solidFill>
+                  <a:srgbClr val="C00000"/>
+                </a:solidFill>
+              </a:rPr>
+            </a:br>
+            <a:r>
+              <a:rPr lang="en-IN" b="1" dirty="0">
+                <a:solidFill>
+                  <a:srgbClr val="C00000"/>
+                </a:solidFill>
+              </a:rPr>
+              <a:t>Key Data Validation Process</a:t>
+            </a:r>
+            <a:br>
+              <a:rPr lang="en-IN" b="1" dirty="0">
+                <a:solidFill>
+                  <a:srgbClr val="C00000"/>
+                </a:solidFill>
+              </a:rPr>
+            </a:br>
+            <a:endParaRPr lang="en-IN" b="1" dirty="0">
+              <a:solidFill>
+                <a:srgbClr val="C00000"/>
+              </a:solidFill>
+            </a:endParaRPr>
+          </a:p>
+        </p:txBody>
+      </p:sp>
+      <p:sp>
+        <p:nvSpPr>
+          <p:cNvPr id="4" name="Rectangle 2">
+            <a:extLst>
+              <a:ext uri="{FF2B5EF4-FFF2-40B4-BE49-F238E27FC236}">
+                <a16:creationId xmlns:a16="http://schemas.microsoft.com/office/drawing/2014/main" id="{316D5B50-8A9F-C7BA-30B9-1302A2AD316D}"/>
+              </a:ext>
+            </a:extLst>
+          </p:cNvPr>
+          <p:cNvSpPr>
+            <a:spLocks noGrp="1" noChangeArrowheads="1"/>
+          </p:cNvSpPr>
+          <p:nvPr>
+            <p:ph idx="1"/>
+          </p:nvPr>
+        </p:nvSpPr>
+        <p:spPr bwMode="auto">
+          <a:xfrm>
+            <a:off x="838200" y="1664756"/>
+            <a:ext cx="9924738" cy="4673074"/>
+          </a:xfrm>
+          <a:prstGeom prst="rect">
+            <a:avLst/>
+          </a:prstGeom>
+          <a:noFill/>
+          <a:ln>
+            <a:noFill/>
+          </a:ln>
+          <a:effectLst/>
+          <a:extLst>
+            <a:ext uri="{909E8E84-426E-40DD-AFC4-6F175D3DCCD1}">
+              <a14:hiddenFill xmlns:a14="http://schemas.microsoft.com/office/drawing/2010/main">
+                <a:solidFill>
+                  <a:schemeClr val="accent1"/>
+                </a:solidFill>
+              </a14:hiddenFill>
+            </a:ext>
+            <a:ext uri="{91240B29-F687-4F45-9708-019B960494DF}">
+              <a14:hiddenLine xmlns:a14="http://schemas.microsoft.com/office/drawing/2010/main" w="9525">
+                <a:solidFill>
+                  <a:schemeClr val="tx1"/>
+                </a:solidFill>
+                <a:miter lim="800000"/>
+                <a:headEnd/>
+                <a:tailEnd/>
+              </a14:hiddenLine>
+            </a:ext>
+            <a:ext uri="{AF507438-7753-43E0-B8FC-AC1667EBCBE1}">
+              <a14:hiddenEffects xmlns:a14="http://schemas.microsoft.com/office/drawing/2010/main">
+                <a:effectLst>
+                  <a:outerShdw dist="35921" dir="2700000" algn="ctr" rotWithShape="0">
+                    <a:schemeClr val="bg2"/>
+                  </a:outerShdw>
+                </a:effectLst>
+              </a14:hiddenEffects>
+            </a:ext>
+          </a:extLst>
+        </p:spPr>
+        <p:txBody>
+          <a:bodyPr vert="horz" wrap="square" lIns="91440" tIns="45720" rIns="91440" bIns="45720" numCol="1" anchor="ctr" anchorCtr="0" compatLnSpc="1">
+            <a:prstTxWarp prst="textNoShape">
+              <a:avLst/>
+            </a:prstTxWarp>
+            <a:spAutoFit/>
+          </a:bodyPr>
+          <a:lstStyle/>
+          <a:p>
+            <a:pPr marL="0" marR="0" lvl="0" indent="0" algn="l" defTabSz="914400" rtl="0" eaLnBrk="0" fontAlgn="base" latinLnBrk="0" hangingPunct="0">
+              <a:lnSpc>
+                <a:spcPct val="100000"/>
+              </a:lnSpc>
+              <a:spcBef>
+                <a:spcPct val="0"/>
+              </a:spcBef>
+              <a:spcAft>
+                <a:spcPct val="0"/>
+              </a:spcAft>
+              <a:buClrTx/>
+              <a:buSzTx/>
+              <a:buFontTx/>
+              <a:buNone/>
+              <a:tabLst/>
+            </a:pPr>
+            <a:r>
+              <a:rPr lang="en-US" altLang="en-US" b="1" dirty="0">
+                <a:solidFill>
+                  <a:srgbClr val="FF0000"/>
+                </a:solidFill>
+              </a:rPr>
+              <a:t>Cross-field Validation</a:t>
+            </a:r>
+          </a:p>
+          <a:p>
+            <a:pPr eaLnBrk="0" fontAlgn="base" hangingPunct="0">
+              <a:lnSpc>
+                <a:spcPct val="100000"/>
+              </a:lnSpc>
+              <a:spcBef>
+                <a:spcPct val="0"/>
+              </a:spcBef>
+              <a:spcAft>
+                <a:spcPct val="0"/>
+              </a:spcAft>
+            </a:pPr>
+            <a:r>
+              <a:rPr lang="en-US" altLang="en-US" dirty="0">
+                <a:solidFill>
+                  <a:srgbClr val="002060"/>
+                </a:solidFill>
+              </a:rPr>
+              <a:t>Validates relationships between fields. </a:t>
+            </a:r>
+          </a:p>
+          <a:p>
+            <a:pPr eaLnBrk="0" fontAlgn="base" hangingPunct="0">
+              <a:lnSpc>
+                <a:spcPct val="100000"/>
+              </a:lnSpc>
+              <a:spcBef>
+                <a:spcPct val="0"/>
+              </a:spcBef>
+              <a:spcAft>
+                <a:spcPct val="0"/>
+              </a:spcAft>
+            </a:pPr>
+            <a:r>
+              <a:rPr lang="en-US" altLang="en-US" b="1" dirty="0">
+                <a:solidFill>
+                  <a:srgbClr val="00B050"/>
+                </a:solidFill>
+              </a:rPr>
+              <a:t>Example: </a:t>
+            </a:r>
+            <a:r>
+              <a:rPr lang="en-US" altLang="en-US" dirty="0" err="1">
+                <a:solidFill>
+                  <a:srgbClr val="002060"/>
+                </a:solidFill>
+              </a:rPr>
+              <a:t>start_date</a:t>
+            </a:r>
+            <a:r>
+              <a:rPr lang="en-US" altLang="en-US" dirty="0">
+                <a:solidFill>
+                  <a:srgbClr val="002060"/>
+                </a:solidFill>
+              </a:rPr>
+              <a:t> must be before </a:t>
+            </a:r>
+            <a:r>
+              <a:rPr lang="en-US" altLang="en-US" dirty="0" err="1">
+                <a:solidFill>
+                  <a:srgbClr val="002060"/>
+                </a:solidFill>
+              </a:rPr>
+              <a:t>end_date</a:t>
+            </a:r>
+            <a:r>
+              <a:rPr lang="en-US" altLang="en-US" dirty="0">
+                <a:solidFill>
+                  <a:srgbClr val="002060"/>
+                </a:solidFill>
+              </a:rPr>
+              <a:t>.</a:t>
+            </a:r>
+          </a:p>
+          <a:p>
+            <a:pPr marL="0" indent="0">
+              <a:buNone/>
+            </a:pPr>
+            <a:r>
+              <a:rPr lang="en-IN" b="1" dirty="0">
+                <a:solidFill>
+                  <a:srgbClr val="FF0000"/>
+                </a:solidFill>
+              </a:rPr>
+              <a:t>Reference Integrity</a:t>
+            </a:r>
+          </a:p>
+          <a:p>
+            <a:r>
+              <a:rPr lang="en-IN" dirty="0">
+                <a:solidFill>
+                  <a:srgbClr val="002060"/>
+                </a:solidFill>
+              </a:rPr>
+              <a:t>Ensures foreign keys match existing records in related tables.</a:t>
+            </a:r>
+          </a:p>
+          <a:p>
+            <a:pPr marL="0" indent="0">
+              <a:buNone/>
+            </a:pPr>
+            <a:r>
+              <a:rPr lang="en-IN" b="1" dirty="0">
+                <a:solidFill>
+                  <a:srgbClr val="FF0000"/>
+                </a:solidFill>
+              </a:rPr>
+              <a:t>Real-time vs Batch Validation</a:t>
+            </a:r>
+          </a:p>
+          <a:p>
+            <a:r>
+              <a:rPr lang="en-IN" b="1" dirty="0">
+                <a:solidFill>
+                  <a:srgbClr val="00B050"/>
+                </a:solidFill>
+              </a:rPr>
+              <a:t>Real-time: </a:t>
+            </a:r>
+            <a:r>
+              <a:rPr lang="en-IN" dirty="0">
+                <a:solidFill>
+                  <a:srgbClr val="002060"/>
+                </a:solidFill>
+              </a:rPr>
+              <a:t>Validates data at entry (e.g., form submission).</a:t>
+            </a:r>
+          </a:p>
+          <a:p>
+            <a:r>
+              <a:rPr lang="en-IN" b="1" dirty="0">
+                <a:solidFill>
+                  <a:srgbClr val="00B050"/>
+                </a:solidFill>
+              </a:rPr>
+              <a:t>Batch: </a:t>
+            </a:r>
+            <a:r>
+              <a:rPr lang="en-IN" dirty="0">
+                <a:solidFill>
+                  <a:srgbClr val="002060"/>
+                </a:solidFill>
+              </a:rPr>
+              <a:t>Validates large datasets during ETL or migration.</a:t>
+            </a:r>
+          </a:p>
+          <a:p>
+            <a:pPr marL="0" indent="0" eaLnBrk="0" fontAlgn="base" hangingPunct="0">
+              <a:lnSpc>
+                <a:spcPct val="100000"/>
+              </a:lnSpc>
+              <a:spcBef>
+                <a:spcPct val="0"/>
+              </a:spcBef>
+              <a:spcAft>
+                <a:spcPct val="0"/>
+              </a:spcAft>
+              <a:buNone/>
+            </a:pPr>
+            <a:r>
+              <a:rPr lang="en-US" altLang="en-US" dirty="0">
+                <a:solidFill>
+                  <a:srgbClr val="002060"/>
+                </a:solidFill>
+              </a:rPr>
+              <a:t> </a:t>
+            </a:r>
+          </a:p>
+          <a:p>
+            <a:pPr marL="0" marR="0" lvl="0" indent="0" algn="l" defTabSz="914400" rtl="0" eaLnBrk="0" fontAlgn="base" latinLnBrk="0" hangingPunct="0">
+              <a:lnSpc>
+                <a:spcPct val="100000"/>
+              </a:lnSpc>
+              <a:spcBef>
+                <a:spcPct val="0"/>
+              </a:spcBef>
+              <a:spcAft>
+                <a:spcPct val="0"/>
+              </a:spcAft>
+              <a:buClrTx/>
+              <a:buSzTx/>
+              <a:buFontTx/>
+              <a:buNone/>
+              <a:tabLst/>
+            </a:pPr>
+            <a:endParaRPr kumimoji="0" lang="en-US" altLang="en-US" sz="1800" b="0" i="0" u="none" strike="noStrike" cap="none" normalizeH="0" baseline="0" dirty="0">
+              <a:ln>
+                <a:noFill/>
+              </a:ln>
+              <a:solidFill>
+                <a:schemeClr val="tx1"/>
+              </a:solidFill>
+              <a:effectLst/>
+              <a:latin typeface="Arial" panose="020B0604020202020204" pitchFamily="34" charset="0"/>
+            </a:endParaRPr>
+          </a:p>
+        </p:txBody>
+      </p:sp>
+    </p:spTree>
+    <p:extLst>
+      <p:ext uri="{BB962C8B-B14F-4D97-AF65-F5344CB8AC3E}">
+        <p14:creationId xmlns:p14="http://schemas.microsoft.com/office/powerpoint/2010/main" val="3252303333"/>
+      </p:ext>
+    </p:extLst>
+  </p:cSld>
+  <p:clrMapOvr>
+    <a:masterClrMapping/>
+  </p:clrMapOvr>
+</p:sld>
+</file>
+
+<file path=ppt/slides/slide14.xml><?xml version="1.0" encoding="utf-8"?>
+<p:sld xmlns:a="http://schemas.openxmlformats.org/drawingml/2006/main" xmlns:r="http://schemas.openxmlformats.org/officeDocument/2006/relationships" xmlns:p="http://schemas.openxmlformats.org/presentationml/2006/main">
+  <p:cSld>
+    <p:spTree>
+      <p:nvGrpSpPr>
+        <p:cNvPr id="1" name="">
+          <a:extLst>
+            <a:ext uri="{FF2B5EF4-FFF2-40B4-BE49-F238E27FC236}">
+              <a16:creationId xmlns:a16="http://schemas.microsoft.com/office/drawing/2014/main" id="{2BD71FB2-FCE9-2FCE-8867-E42F73E56BCB}"/>
+            </a:ext>
+          </a:extLst>
+        </p:cNvPr>
+        <p:cNvGrpSpPr/>
+        <p:nvPr/>
+      </p:nvGrpSpPr>
+      <p:grpSpPr>
+        <a:xfrm>
+          <a:off x="0" y="0"/>
+          <a:ext cx="0" cy="0"/>
+          <a:chOff x="0" y="0"/>
+          <a:chExt cx="0" cy="0"/>
+        </a:xfrm>
+      </p:grpSpPr>
+      <p:pic>
+        <p:nvPicPr>
+          <p:cNvPr id="9" name="Picture 8">
+            <a:extLst>
+              <a:ext uri="{FF2B5EF4-FFF2-40B4-BE49-F238E27FC236}">
+                <a16:creationId xmlns:a16="http://schemas.microsoft.com/office/drawing/2014/main" id="{143F16E9-EEA8-E9E5-E4B9-47D17B799E83}"/>
+              </a:ext>
+            </a:extLst>
+          </p:cNvPr>
+          <p:cNvPicPr>
+            <a:picLocks noChangeAspect="1"/>
+          </p:cNvPicPr>
+          <p:nvPr/>
+        </p:nvPicPr>
+        <p:blipFill>
+          <a:blip r:embed="rId2">
+            <a:extLst>
+              <a:ext uri="{28A0092B-C50C-407E-A947-70E740481C1C}">
+                <a14:useLocalDpi xmlns:a14="http://schemas.microsoft.com/office/drawing/2010/main" val="0"/>
+              </a:ext>
+            </a:extLst>
+          </a:blip>
+          <a:stretch>
+            <a:fillRect/>
+          </a:stretch>
+        </p:blipFill>
+        <p:spPr>
+          <a:xfrm>
+            <a:off x="0" y="4707"/>
+            <a:ext cx="12192000" cy="6853293"/>
+          </a:xfrm>
+          <a:prstGeom prst="rect">
+            <a:avLst/>
+          </a:prstGeom>
+        </p:spPr>
+      </p:pic>
+      <p:sp>
+        <p:nvSpPr>
+          <p:cNvPr id="12" name="Title 11">
+            <a:extLst>
+              <a:ext uri="{FF2B5EF4-FFF2-40B4-BE49-F238E27FC236}">
+                <a16:creationId xmlns:a16="http://schemas.microsoft.com/office/drawing/2014/main" id="{A2335DAB-9B1E-D026-13A2-62C0A978DE50}"/>
+              </a:ext>
+            </a:extLst>
+          </p:cNvPr>
+          <p:cNvSpPr>
+            <a:spLocks noGrp="1"/>
+          </p:cNvSpPr>
+          <p:nvPr>
+            <p:ph type="title"/>
+          </p:nvPr>
+        </p:nvSpPr>
+        <p:spPr/>
+        <p:txBody>
+          <a:bodyPr>
+            <a:normAutofit fontScale="90000"/>
+          </a:bodyPr>
+          <a:lstStyle/>
+          <a:p>
+            <a:br>
+              <a:rPr lang="en-IN" b="1" dirty="0">
+                <a:solidFill>
+                  <a:srgbClr val="002060"/>
+                </a:solidFill>
+              </a:rPr>
+            </a:br>
+            <a:br>
+              <a:rPr lang="en-IN" b="1" dirty="0">
+                <a:solidFill>
+                  <a:srgbClr val="002060"/>
+                </a:solidFill>
+              </a:rPr>
+            </a:br>
+            <a:br>
+              <a:rPr lang="en-IN" b="1" dirty="0">
+                <a:solidFill>
+                  <a:srgbClr val="002060"/>
+                </a:solidFill>
+              </a:rPr>
+            </a:br>
+            <a:r>
+              <a:rPr lang="en-IN" b="1" dirty="0">
+                <a:solidFill>
+                  <a:srgbClr val="C00000"/>
+                </a:solidFill>
+              </a:rPr>
+              <a:t>Automation Strategies</a:t>
+            </a:r>
+            <a:br>
+              <a:rPr lang="en-IN" b="1" dirty="0">
+                <a:solidFill>
+                  <a:srgbClr val="C00000"/>
+                </a:solidFill>
+              </a:rPr>
+            </a:br>
+            <a:br>
+              <a:rPr lang="en-US" dirty="0">
+                <a:solidFill>
+                  <a:srgbClr val="C00000"/>
+                </a:solidFill>
+              </a:rPr>
+            </a:br>
+            <a:endParaRPr lang="en-IN" b="1" dirty="0">
+              <a:solidFill>
+                <a:srgbClr val="C00000"/>
+              </a:solidFill>
+            </a:endParaRPr>
+          </a:p>
+        </p:txBody>
+      </p:sp>
+      <p:sp>
+        <p:nvSpPr>
+          <p:cNvPr id="5" name="Rectangle 3">
+            <a:extLst>
+              <a:ext uri="{FF2B5EF4-FFF2-40B4-BE49-F238E27FC236}">
+                <a16:creationId xmlns:a16="http://schemas.microsoft.com/office/drawing/2014/main" id="{4CE38650-BCDD-4B4B-3956-E8EE90F91969}"/>
+              </a:ext>
+            </a:extLst>
+          </p:cNvPr>
+          <p:cNvSpPr>
+            <a:spLocks noGrp="1" noChangeArrowheads="1"/>
+          </p:cNvSpPr>
+          <p:nvPr>
+            <p:ph idx="1"/>
+          </p:nvPr>
+        </p:nvSpPr>
+        <p:spPr bwMode="auto">
+          <a:xfrm>
+            <a:off x="838200" y="1840222"/>
+            <a:ext cx="10194561" cy="3816429"/>
+          </a:xfrm>
+          <a:prstGeom prst="rect">
+            <a:avLst/>
+          </a:prstGeom>
+          <a:noFill/>
+          <a:ln>
+            <a:noFill/>
+          </a:ln>
+          <a:effectLst/>
+          <a:extLst>
+            <a:ext uri="{909E8E84-426E-40DD-AFC4-6F175D3DCCD1}">
+              <a14:hiddenFill xmlns:a14="http://schemas.microsoft.com/office/drawing/2010/main">
+                <a:solidFill>
+                  <a:schemeClr val="accent1"/>
+                </a:solidFill>
+              </a14:hiddenFill>
+            </a:ext>
+            <a:ext uri="{91240B29-F687-4F45-9708-019B960494DF}">
+              <a14:hiddenLine xmlns:a14="http://schemas.microsoft.com/office/drawing/2010/main" w="9525">
+                <a:solidFill>
+                  <a:schemeClr val="tx1"/>
+                </a:solidFill>
+                <a:miter lim="800000"/>
+                <a:headEnd/>
+                <a:tailEnd/>
+              </a14:hiddenLine>
+            </a:ext>
+            <a:ext uri="{AF507438-7753-43E0-B8FC-AC1667EBCBE1}">
+              <a14:hiddenEffects xmlns:a14="http://schemas.microsoft.com/office/drawing/2010/main">
+                <a:effectLst>
+                  <a:outerShdw dist="35921" dir="2700000" algn="ctr" rotWithShape="0">
+                    <a:schemeClr val="bg2"/>
+                  </a:outerShdw>
+                </a:effectLst>
+              </a14:hiddenEffects>
+            </a:ext>
+          </a:extLst>
+        </p:spPr>
+        <p:txBody>
+          <a:bodyPr vert="horz" wrap="square" lIns="91440" tIns="45720" rIns="91440" bIns="45720" numCol="1" anchor="ctr" anchorCtr="0" compatLnSpc="1">
+            <a:prstTxWarp prst="textNoShape">
+              <a:avLst/>
+            </a:prstTxWarp>
+            <a:spAutoFit/>
+          </a:bodyPr>
+          <a:lstStyle/>
+          <a:p>
+            <a:pPr marL="0" marR="0" lvl="0" indent="0" algn="l" defTabSz="914400" rtl="0" eaLnBrk="0" fontAlgn="base" latinLnBrk="0" hangingPunct="0">
+              <a:lnSpc>
+                <a:spcPct val="100000"/>
+              </a:lnSpc>
+              <a:spcBef>
+                <a:spcPct val="0"/>
+              </a:spcBef>
+              <a:spcAft>
+                <a:spcPct val="0"/>
+              </a:spcAft>
+              <a:buClrTx/>
+              <a:buSzTx/>
+              <a:buNone/>
+              <a:tabLst/>
+            </a:pPr>
+            <a:r>
+              <a:rPr lang="en-US" altLang="en-US" b="1" dirty="0">
+                <a:solidFill>
+                  <a:srgbClr val="FF0000"/>
+                </a:solidFill>
+              </a:rPr>
+              <a:t>Python Libraries: </a:t>
+            </a:r>
+            <a:r>
+              <a:rPr lang="en-US" altLang="en-US" dirty="0">
+                <a:solidFill>
+                  <a:srgbClr val="002060"/>
+                </a:solidFill>
+              </a:rPr>
+              <a:t>Use </a:t>
+            </a:r>
+            <a:r>
+              <a:rPr lang="en-US" altLang="en-US" dirty="0" err="1">
+                <a:solidFill>
+                  <a:srgbClr val="002060"/>
+                </a:solidFill>
+              </a:rPr>
+              <a:t>pydantic</a:t>
+            </a:r>
+            <a:r>
+              <a:rPr lang="en-US" altLang="en-US" dirty="0">
+                <a:solidFill>
+                  <a:srgbClr val="002060"/>
+                </a:solidFill>
+              </a:rPr>
+              <a:t>, voluptuous, or </a:t>
+            </a:r>
+            <a:r>
+              <a:rPr lang="en-US" altLang="en-US" dirty="0" err="1">
+                <a:solidFill>
+                  <a:srgbClr val="002060"/>
+                </a:solidFill>
+              </a:rPr>
+              <a:t>cerberus</a:t>
+            </a:r>
+            <a:r>
+              <a:rPr lang="en-US" altLang="en-US" dirty="0">
+                <a:solidFill>
+                  <a:srgbClr val="002060"/>
+                </a:solidFill>
+              </a:rPr>
+              <a:t> for </a:t>
+            </a:r>
+            <a:r>
+              <a:rPr lang="en-US" altLang="en-US" b="1" dirty="0">
+                <a:solidFill>
+                  <a:srgbClr val="002060"/>
+                </a:solidFill>
+              </a:rPr>
+              <a:t>API and 	form validation</a:t>
+            </a:r>
+            <a:r>
+              <a:rPr lang="en-US" altLang="en-US" dirty="0">
+                <a:solidFill>
+                  <a:srgbClr val="002060"/>
+                </a:solidFill>
+              </a:rPr>
+              <a:t>. </a:t>
+            </a:r>
+          </a:p>
+          <a:p>
+            <a:pPr marL="0" marR="0" lvl="0" indent="0" algn="l" defTabSz="914400" rtl="0" eaLnBrk="0" fontAlgn="base" latinLnBrk="0" hangingPunct="0">
+              <a:lnSpc>
+                <a:spcPct val="100000"/>
+              </a:lnSpc>
+              <a:spcBef>
+                <a:spcPct val="0"/>
+              </a:spcBef>
+              <a:spcAft>
+                <a:spcPct val="0"/>
+              </a:spcAft>
+              <a:buClrTx/>
+              <a:buSzTx/>
+              <a:buNone/>
+              <a:tabLst/>
+            </a:pPr>
+            <a:r>
+              <a:rPr lang="en-US" altLang="en-US" b="1" dirty="0">
+                <a:solidFill>
+                  <a:srgbClr val="FF0000"/>
+                </a:solidFill>
+              </a:rPr>
+              <a:t>ETL Pipelines: </a:t>
+            </a:r>
+            <a:r>
+              <a:rPr lang="en-US" altLang="en-US" dirty="0">
+                <a:solidFill>
+                  <a:srgbClr val="002060"/>
+                </a:solidFill>
+              </a:rPr>
+              <a:t>Integrate validation steps using tools like Talend or 	Great Expectations. </a:t>
+            </a:r>
+          </a:p>
+          <a:p>
+            <a:pPr marL="0" marR="0" lvl="0" indent="0" algn="l" defTabSz="914400" rtl="0" eaLnBrk="0" fontAlgn="base" latinLnBrk="0" hangingPunct="0">
+              <a:lnSpc>
+                <a:spcPct val="100000"/>
+              </a:lnSpc>
+              <a:spcBef>
+                <a:spcPct val="0"/>
+              </a:spcBef>
+              <a:spcAft>
+                <a:spcPct val="0"/>
+              </a:spcAft>
+              <a:buClrTx/>
+              <a:buSzTx/>
+              <a:buNone/>
+              <a:tabLst/>
+            </a:pPr>
+            <a:r>
+              <a:rPr lang="en-US" altLang="en-US" b="1" dirty="0">
+                <a:solidFill>
+                  <a:srgbClr val="FF0000"/>
+                </a:solidFill>
+              </a:rPr>
+              <a:t>Cloud Services: </a:t>
+            </a:r>
+            <a:r>
+              <a:rPr lang="en-US" altLang="en-US" b="1" dirty="0">
+                <a:solidFill>
+                  <a:srgbClr val="002060"/>
+                </a:solidFill>
+              </a:rPr>
+              <a:t>AWS Glue </a:t>
+            </a:r>
+            <a:r>
+              <a:rPr lang="en-US" altLang="en-US" dirty="0">
+                <a:solidFill>
+                  <a:srgbClr val="002060"/>
+                </a:solidFill>
+              </a:rPr>
+              <a:t>and </a:t>
+            </a:r>
+            <a:r>
+              <a:rPr lang="en-US" altLang="en-US" b="1" dirty="0">
+                <a:solidFill>
+                  <a:srgbClr val="002060"/>
+                </a:solidFill>
+              </a:rPr>
+              <a:t>Azure Data Factory support </a:t>
+            </a:r>
+          </a:p>
+          <a:p>
+            <a:pPr marL="0" marR="0" lvl="0" indent="0" algn="l" defTabSz="914400" rtl="0" eaLnBrk="0" fontAlgn="base" latinLnBrk="0" hangingPunct="0">
+              <a:lnSpc>
+                <a:spcPct val="100000"/>
+              </a:lnSpc>
+              <a:spcBef>
+                <a:spcPct val="0"/>
+              </a:spcBef>
+              <a:spcAft>
+                <a:spcPct val="0"/>
+              </a:spcAft>
+              <a:buClrTx/>
+              <a:buSzTx/>
+              <a:buNone/>
+              <a:tabLst/>
+            </a:pPr>
+            <a:r>
+              <a:rPr lang="en-US" altLang="en-US" b="1" dirty="0">
+                <a:solidFill>
+                  <a:srgbClr val="002060"/>
+                </a:solidFill>
+              </a:rPr>
+              <a:t>	rule-based validation</a:t>
+            </a:r>
+            <a:r>
+              <a:rPr lang="en-US" altLang="en-US" dirty="0">
+                <a:solidFill>
+                  <a:srgbClr val="002060"/>
+                </a:solidFill>
+              </a:rPr>
+              <a:t>. </a:t>
+            </a:r>
+          </a:p>
+          <a:p>
+            <a:pPr marL="0" marR="0" lvl="0" indent="0" algn="l" defTabSz="914400" rtl="0" eaLnBrk="0" fontAlgn="base" latinLnBrk="0" hangingPunct="0">
+              <a:lnSpc>
+                <a:spcPct val="100000"/>
+              </a:lnSpc>
+              <a:spcBef>
+                <a:spcPct val="0"/>
+              </a:spcBef>
+              <a:spcAft>
+                <a:spcPct val="0"/>
+              </a:spcAft>
+              <a:buClrTx/>
+              <a:buSzTx/>
+              <a:buNone/>
+              <a:tabLst/>
+            </a:pPr>
+            <a:r>
+              <a:rPr lang="en-US" altLang="en-US" b="1" dirty="0">
+                <a:solidFill>
+                  <a:srgbClr val="FF0000"/>
+                </a:solidFill>
+              </a:rPr>
+              <a:t>CI/CD Integration: </a:t>
+            </a:r>
+            <a:r>
+              <a:rPr lang="en-US" altLang="en-US" dirty="0">
+                <a:solidFill>
+                  <a:srgbClr val="002060"/>
+                </a:solidFill>
+              </a:rPr>
+              <a:t>Run validation tests during deployment to catch 	schema drift or data anomalies. </a:t>
+            </a:r>
+          </a:p>
+          <a:p>
+            <a:pPr marL="0" marR="0" lvl="0" indent="0" algn="l" defTabSz="914400" rtl="0" eaLnBrk="0" fontAlgn="base" latinLnBrk="0" hangingPunct="0">
+              <a:lnSpc>
+                <a:spcPct val="100000"/>
+              </a:lnSpc>
+              <a:spcBef>
+                <a:spcPct val="0"/>
+              </a:spcBef>
+              <a:spcAft>
+                <a:spcPct val="0"/>
+              </a:spcAft>
+              <a:buClrTx/>
+              <a:buSzTx/>
+              <a:buFontTx/>
+              <a:buNone/>
+              <a:tabLst/>
+            </a:pPr>
+            <a:endParaRPr kumimoji="0" lang="en-US" altLang="en-US" sz="1800" b="0" i="0" u="none" strike="noStrike" cap="none" normalizeH="0" baseline="0" dirty="0">
+              <a:ln>
+                <a:noFill/>
+              </a:ln>
+              <a:solidFill>
+                <a:schemeClr val="tx1"/>
+              </a:solidFill>
+              <a:effectLst/>
+              <a:latin typeface="Arial" panose="020B0604020202020204" pitchFamily="34" charset="0"/>
+            </a:endParaRPr>
+          </a:p>
+        </p:txBody>
+      </p:sp>
+    </p:spTree>
+    <p:extLst>
+      <p:ext uri="{BB962C8B-B14F-4D97-AF65-F5344CB8AC3E}">
+        <p14:creationId xmlns:p14="http://schemas.microsoft.com/office/powerpoint/2010/main" val="80307329"/>
+      </p:ext>
+    </p:extLst>
+  </p:cSld>
+  <p:clrMapOvr>
+    <a:masterClrMapping/>
+  </p:clrMapOvr>
+</p:sld>
+</file>
+
+<file path=ppt/slides/slide15.xml><?xml version="1.0" encoding="utf-8"?>
 <p:sld xmlns:a="http://schemas.openxmlformats.org/drawingml/2006/main" xmlns:r="http://schemas.openxmlformats.org/officeDocument/2006/relationships" xmlns:p="http://schemas.openxmlformats.org/presentationml/2006/main">
   <p:cSld>
     <p:spTree>
@@ -4232,18 +6800,13 @@
           <a:lstStyle/>
           <a:p>
             <a:r>
-              <a:rPr lang="en-US" sz="6000" b="1" dirty="0">
-                <a:solidFill>
-                  <a:srgbClr val="FF0000"/>
-                </a:solidFill>
-              </a:rPr>
-              <a:t>Careers in AI &amp; Big Data Analytics</a:t>
-            </a:r>
-            <a:endParaRPr lang="en-IN" sz="6000" b="1" dirty="0">
-              <a:solidFill>
-                <a:srgbClr val="FF0000"/>
-              </a:solidFill>
-            </a:endParaRPr>
+              <a:rPr lang="en-IN" sz="6000" b="1" dirty="0">
+                <a:solidFill>
+                  <a:srgbClr val="C00000"/>
+                </a:solidFill>
+              </a:rPr>
+              <a:t>Data Validation</a:t>
+            </a:r>
           </a:p>
         </p:txBody>
       </p:sp>
@@ -4388,23 +6951,28 @@
           <a:lstStyle/>
           <a:p>
             <a:r>
-              <a:rPr lang="en-US" dirty="0"/>
-              <a:t>Career map for roles in AI &amp; Big Data Analytics</a:t>
-            </a:r>
-          </a:p>
-          <a:p>
-            <a:r>
-              <a:rPr lang="en-US" dirty="0"/>
-              <a:t>Differences Supervised Learning, Unsupervised Learning and Deep Learning</a:t>
-            </a:r>
-            <a:r>
-              <a:rPr lang="en-IN" dirty="0">
+              <a:rPr lang="en-US" b="1" dirty="0">
                 <a:solidFill>
                   <a:srgbClr val="002060"/>
                 </a:solidFill>
               </a:rPr>
-              <a:t>“</a:t>
-            </a:r>
+              <a:t>Describe the purpose of metadata</a:t>
+            </a:r>
+          </a:p>
+          <a:p>
+            <a:r>
+              <a:rPr lang="en-US" b="1" dirty="0">
+                <a:solidFill>
+                  <a:srgbClr val="002060"/>
+                </a:solidFill>
+              </a:rPr>
+              <a:t>Describe various Data validation tools and processes</a:t>
+            </a:r>
+            <a:endParaRPr lang="en-IN" b="1" dirty="0">
+              <a:solidFill>
+                <a:srgbClr val="002060"/>
+              </a:solidFill>
+            </a:endParaRPr>
           </a:p>
         </p:txBody>
       </p:sp>
@@ -4514,7 +7082,7 @@
                   <a:srgbClr val="C00000"/>
                 </a:solidFill>
               </a:rPr>
-              <a:t>Career map for roles in AI &amp; Big Data Analytics</a:t>
+              <a:t>Metadata</a:t>
             </a:r>
             <a:br>
               <a:rPr lang="en-US" dirty="0">
@@ -4549,52 +7117,41 @@
         </p:nvSpPr>
         <p:spPr>
           <a:xfrm>
-            <a:off x="838200" y="2261937"/>
-            <a:ext cx="10515600" cy="3915026"/>
+            <a:off x="838200" y="1903752"/>
+            <a:ext cx="10515600" cy="4273212"/>
           </a:xfrm>
         </p:spPr>
         <p:txBody>
           <a:bodyPr/>
           <a:lstStyle/>
           <a:p>
-            <a:pPr marL="0" indent="0">
-              <a:buNone/>
-            </a:pPr>
             <a:r>
               <a:rPr lang="en-IN" b="1" dirty="0">
                 <a:solidFill>
                   <a:srgbClr val="002060"/>
                 </a:solidFill>
               </a:rPr>
-              <a:t>Data Analyst</a:t>
-            </a:r>
-          </a:p>
-          <a:p>
-            <a:r>
-              <a:rPr lang="en-IN" b="1" dirty="0"/>
-              <a:t>Responsibilities:</a:t>
-            </a:r>
-            <a:r>
-              <a:rPr lang="en-IN" dirty="0"/>
-              <a:t> Collects, processes, and </a:t>
-            </a:r>
-            <a:r>
-              <a:rPr lang="en-IN" dirty="0" err="1"/>
-              <a:t>analyzes</a:t>
-            </a:r>
-            <a:r>
-              <a:rPr lang="en-IN" dirty="0"/>
-              <a:t> large datasets to reveal trends, patterns, and actionable insights. Prepares reports for stakeholders and builds dashboards to visualize findings.</a:t>
-            </a:r>
-          </a:p>
-          <a:p>
-            <a:r>
-              <a:rPr lang="en-IN" b="1" dirty="0"/>
-              <a:t>Typical Tools:</a:t>
-            </a:r>
-            <a:r>
-              <a:rPr lang="en-IN" dirty="0"/>
-              <a:t> Excel, SQL, Tableau, Power BI, Python.</a:t>
+              <a:t>What Is Metadata?</a:t>
+            </a:r>
+          </a:p>
+          <a:p>
+            <a:r>
+              <a:rPr lang="en-IN" b="1" dirty="0">
+                <a:solidFill>
+                  <a:srgbClr val="002060"/>
+                </a:solidFill>
+              </a:rPr>
+              <a:t>Purpose of Metadata</a:t>
+            </a:r>
+          </a:p>
+          <a:p>
+            <a:r>
+              <a:rPr lang="en-IN" b="1" dirty="0">
+                <a:solidFill>
+                  <a:srgbClr val="002060"/>
+                </a:solidFill>
+              </a:rPr>
+              <a:t>Types of Metadata</a:t>
             </a:r>
           </a:p>
           <a:p>
@@ -4616,200 +7173,6 @@
 </file>
 
 <file path=ppt/slides/slide5.xml><?xml version="1.0" encoding="utf-8"?>
-<p:sld xmlns:a="http://schemas.openxmlformats.org/drawingml/2006/main" xmlns:r="http://schemas.openxmlformats.org/officeDocument/2006/relationships" xmlns:p="http://schemas.openxmlformats.org/presentationml/2006/main">
-  <p:cSld>
-    <p:spTree>
-      <p:nvGrpSpPr>
-        <p:cNvPr id="1" name="">
-          <a:extLst>
-            <a:ext uri="{FF2B5EF4-FFF2-40B4-BE49-F238E27FC236}">
-              <a16:creationId xmlns:a16="http://schemas.microsoft.com/office/drawing/2014/main" id="{2FBF0153-C9A9-D46C-01B2-41753D68E45E}"/>
-            </a:ext>
-          </a:extLst>
-        </p:cNvPr>
-        <p:cNvGrpSpPr/>
-        <p:nvPr/>
-      </p:nvGrpSpPr>
-      <p:grpSpPr>
-        <a:xfrm>
-          <a:off x="0" y="0"/>
-          <a:ext cx="0" cy="0"/>
-          <a:chOff x="0" y="0"/>
-          <a:chExt cx="0" cy="0"/>
-        </a:xfrm>
-      </p:grpSpPr>
-      <p:pic>
-        <p:nvPicPr>
-          <p:cNvPr id="9" name="Picture 8">
-            <a:extLst>
-              <a:ext uri="{FF2B5EF4-FFF2-40B4-BE49-F238E27FC236}">
-                <a16:creationId xmlns:a16="http://schemas.microsoft.com/office/drawing/2014/main" id="{C1938744-0A14-7C58-D756-DA7BFA361E6C}"/>
-              </a:ext>
-            </a:extLst>
-          </p:cNvPr>
-          <p:cNvPicPr>
-            <a:picLocks noChangeAspect="1"/>
-          </p:cNvPicPr>
-          <p:nvPr/>
-        </p:nvPicPr>
-        <p:blipFill>
-          <a:blip r:embed="rId2">
-            <a:extLst>
-              <a:ext uri="{28A0092B-C50C-407E-A947-70E740481C1C}">
-                <a14:useLocalDpi xmlns:a14="http://schemas.microsoft.com/office/drawing/2010/main" val="0"/>
-              </a:ext>
-            </a:extLst>
-          </a:blip>
-          <a:stretch>
-            <a:fillRect/>
-          </a:stretch>
-        </p:blipFill>
-        <p:spPr>
-          <a:xfrm>
-            <a:off x="0" y="4707"/>
-            <a:ext cx="12192000" cy="6853293"/>
-          </a:xfrm>
-          <a:prstGeom prst="rect">
-            <a:avLst/>
-          </a:prstGeom>
-        </p:spPr>
-      </p:pic>
-      <p:sp>
-        <p:nvSpPr>
-          <p:cNvPr id="12" name="Title 11">
-            <a:extLst>
-              <a:ext uri="{FF2B5EF4-FFF2-40B4-BE49-F238E27FC236}">
-                <a16:creationId xmlns:a16="http://schemas.microsoft.com/office/drawing/2014/main" id="{55EBC230-AA0A-E2EC-4902-663BBB100639}"/>
-              </a:ext>
-            </a:extLst>
-          </p:cNvPr>
-          <p:cNvSpPr>
-            <a:spLocks noGrp="1"/>
-          </p:cNvSpPr>
-          <p:nvPr>
-            <p:ph type="title"/>
-          </p:nvPr>
-        </p:nvSpPr>
-        <p:spPr>
-          <a:xfrm>
-            <a:off x="838200" y="1090863"/>
-            <a:ext cx="10515600" cy="1171073"/>
-          </a:xfrm>
-        </p:spPr>
-        <p:txBody>
-          <a:bodyPr>
-            <a:normAutofit fontScale="90000"/>
-          </a:bodyPr>
-          <a:lstStyle/>
-          <a:p>
-            <a:r>
-              <a:rPr lang="en-US" b="1">
-                <a:solidFill>
-                  <a:srgbClr val="C00000"/>
-                </a:solidFill>
-              </a:rPr>
-              <a:t>Career  roles </a:t>
-            </a:r>
-            <a:br>
-              <a:rPr lang="en-US" dirty="0">
-                <a:solidFill>
-                  <a:srgbClr val="002060"/>
-                </a:solidFill>
-              </a:rPr>
-            </a:br>
-            <a:endParaRPr lang="en-IN" b="1" dirty="0">
-              <a:solidFill>
-                <a:srgbClr val="FF0000"/>
-              </a:solidFill>
-            </a:endParaRPr>
-          </a:p>
-        </p:txBody>
-      </p:sp>
-      <p:sp>
-        <p:nvSpPr>
-          <p:cNvPr id="4" name="Content Placeholder 3">
-            <a:extLst>
-              <a:ext uri="{FF2B5EF4-FFF2-40B4-BE49-F238E27FC236}">
-                <a16:creationId xmlns:a16="http://schemas.microsoft.com/office/drawing/2014/main" id="{39735FD5-EFD8-E566-AC4B-84B3BA5FD6A2}"/>
-              </a:ext>
-            </a:extLst>
-          </p:cNvPr>
-          <p:cNvSpPr>
-            <a:spLocks noGrp="1"/>
-          </p:cNvSpPr>
-          <p:nvPr>
-            <p:ph idx="1"/>
-          </p:nvPr>
-        </p:nvSpPr>
-        <p:spPr>
-          <a:xfrm>
-            <a:off x="838200" y="2261937"/>
-            <a:ext cx="10515600" cy="3915026"/>
-          </a:xfrm>
-        </p:spPr>
-        <p:txBody>
-          <a:bodyPr/>
-          <a:lstStyle/>
-          <a:p>
-            <a:pPr marL="0" indent="0">
-              <a:buNone/>
-            </a:pPr>
-            <a:r>
-              <a:rPr lang="en-IN" b="1" dirty="0">
-                <a:solidFill>
-                  <a:srgbClr val="002060"/>
-                </a:solidFill>
-              </a:rPr>
-              <a:t>Data Analyst</a:t>
-            </a:r>
-          </a:p>
-          <a:p>
-            <a:r>
-              <a:rPr lang="en-IN" b="1" dirty="0"/>
-              <a:t>Responsibilities:</a:t>
-            </a:r>
-            <a:r>
-              <a:rPr lang="en-IN" dirty="0"/>
-              <a:t> Collects, processes, and </a:t>
-            </a:r>
-            <a:r>
-              <a:rPr lang="en-IN" dirty="0" err="1"/>
-              <a:t>analyzes</a:t>
-            </a:r>
-            <a:r>
-              <a:rPr lang="en-IN" dirty="0"/>
-              <a:t> large datasets to reveal trends, patterns, and actionable insights. Prepares reports for stakeholders and builds dashboards to visualize findings.</a:t>
-            </a:r>
-          </a:p>
-          <a:p>
-            <a:r>
-              <a:rPr lang="en-IN" b="1" dirty="0"/>
-              <a:t>Typical Tools:</a:t>
-            </a:r>
-            <a:r>
-              <a:rPr lang="en-IN" dirty="0"/>
-              <a:t> Excel, SQL, Tableau, Power BI, Python.</a:t>
-            </a:r>
-          </a:p>
-          <a:p>
-            <a:endParaRPr lang="en-IN" dirty="0"/>
-          </a:p>
-        </p:txBody>
-      </p:sp>
-    </p:spTree>
-    <p:extLst>
-      <p:ext uri="{BB962C8B-B14F-4D97-AF65-F5344CB8AC3E}">
-        <p14:creationId xmlns:p14="http://schemas.microsoft.com/office/powerpoint/2010/main" val="1337943040"/>
-      </p:ext>
-    </p:extLst>
-  </p:cSld>
-  <p:clrMapOvr>
-    <a:masterClrMapping/>
-  </p:clrMapOvr>
-</p:sld>
-</file>
-
-<file path=ppt/slides/slide6.xml><?xml version="1.0" encoding="utf-8"?>
 <p:sld xmlns:a="http://schemas.openxmlformats.org/drawingml/2006/main" xmlns:r="http://schemas.openxmlformats.org/officeDocument/2006/relationships" xmlns:p="http://schemas.openxmlformats.org/presentationml/2006/main">
   <p:cSld>
     <p:spTree>
@@ -4896,24 +7259,38 @@
           </a:bodyPr>
           <a:lstStyle/>
           <a:p>
-            <a:r>
-              <a:rPr lang="en-US" b="1" dirty="0">
+            <a:br>
+              <a:rPr lang="en-IN" b="1" dirty="0">
+                <a:solidFill>
+                  <a:srgbClr val="002060"/>
+                </a:solidFill>
+              </a:rPr>
+            </a:br>
+            <a:r>
+              <a:rPr lang="en-IN" b="1" dirty="0">
                 <a:solidFill>
                   <a:srgbClr val="C00000"/>
                 </a:solidFill>
               </a:rPr>
-              <a:t>Career map for roles in AI &amp; Big Data Analytics</a:t>
-            </a:r>
+              <a:t>What Is Metadata?</a:t>
+            </a:r>
+            <a:br>
+              <a:rPr lang="en-IN" b="1" dirty="0">
+                <a:solidFill>
+                  <a:srgbClr val="C00000"/>
+                </a:solidFill>
+              </a:rPr>
+            </a:br>
             <a:br>
               <a:rPr lang="en-US" dirty="0">
                 <a:solidFill>
-                  <a:srgbClr val="002060"/>
+                  <a:srgbClr val="C00000"/>
                 </a:solidFill>
               </a:rPr>
             </a:br>
             <a:endParaRPr lang="en-IN" b="1" dirty="0">
               <a:solidFill>
-                <a:srgbClr val="FF0000"/>
+                <a:srgbClr val="C00000"/>
               </a:solidFill>
             </a:endParaRPr>
           </a:p>
@@ -4951,34 +7328,28 @@
             <a:r>
               <a:rPr lang="en-US" b="1" dirty="0">
                 <a:solidFill>
+                  <a:srgbClr val="FF0000"/>
+                </a:solidFill>
+              </a:rPr>
+              <a:t>Metadata</a:t>
+            </a:r>
+            <a:r>
+              <a:rPr lang="en-US" dirty="0"/>
+              <a:t> </a:t>
+            </a:r>
+            <a:r>
+              <a:rPr lang="en-US" dirty="0">
+                <a:solidFill>
                   <a:srgbClr val="002060"/>
                 </a:solidFill>
               </a:rPr>
-              <a:t>Data Scientist (Advanced/Progression Role)</a:t>
-            </a:r>
-          </a:p>
-          <a:p>
-            <a:r>
-              <a:rPr lang="en-US" b="1" dirty="0"/>
-              <a:t>Responsibilities:</a:t>
-            </a:r>
-            <a:r>
-              <a:rPr lang="en-US" dirty="0"/>
-              <a:t> Leverages advanced analytics, machine learning, and predictive models to solve complex business problems. Designs experiments, automates workflows, and develops custom data products.</a:t>
-            </a:r>
-          </a:p>
-          <a:p>
-            <a:r>
-              <a:rPr lang="en-US" b="1" dirty="0"/>
-              <a:t>Career Path:</a:t>
-            </a:r>
-            <a:r>
-              <a:rPr lang="en-US" dirty="0"/>
-              <a:t> Many experienced analysts grow into this role with upskilling.</a:t>
-            </a:r>
-          </a:p>
-          <a:p>
-            <a:endParaRPr lang="en-IN" dirty="0"/>
+              <a:t>refers to descriptive information that provides context about a data asset—such as its origin, structure, meaning, and usage.</a:t>
+            </a:r>
+            <a:endParaRPr lang="en-IN" dirty="0">
+              <a:solidFill>
+                <a:srgbClr val="002060"/>
+              </a:solidFill>
+            </a:endParaRPr>
           </a:p>
         </p:txBody>
       </p:sp>
@@ -4986,6 +7357,231 @@
     <p:extLst>
       <p:ext uri="{BB962C8B-B14F-4D97-AF65-F5344CB8AC3E}">
         <p14:creationId xmlns:p14="http://schemas.microsoft.com/office/powerpoint/2010/main" val="1370868504"/>
+      </p:ext>
+    </p:extLst>
+  </p:cSld>
+  <p:clrMapOvr>
+    <a:masterClrMapping/>
+  </p:clrMapOvr>
+</p:sld>
+</file>
+
+<file path=ppt/slides/slide6.xml><?xml version="1.0" encoding="utf-8"?>
+<p:sld xmlns:a="http://schemas.openxmlformats.org/drawingml/2006/main" xmlns:r="http://schemas.openxmlformats.org/officeDocument/2006/relationships" xmlns:p="http://schemas.openxmlformats.org/presentationml/2006/main">
+  <p:cSld>
+    <p:spTree>
+      <p:nvGrpSpPr>
+        <p:cNvPr id="1" name="">
+          <a:extLst>
+            <a:ext uri="{FF2B5EF4-FFF2-40B4-BE49-F238E27FC236}">
+              <a16:creationId xmlns:a16="http://schemas.microsoft.com/office/drawing/2014/main" id="{2DD4B6E0-C5BA-CB55-778C-9D049B45E6CE}"/>
+            </a:ext>
+          </a:extLst>
+        </p:cNvPr>
+        <p:cNvGrpSpPr/>
+        <p:nvPr/>
+      </p:nvGrpSpPr>
+      <p:grpSpPr>
+        <a:xfrm>
+          <a:off x="0" y="0"/>
+          <a:ext cx="0" cy="0"/>
+          <a:chOff x="0" y="0"/>
+          <a:chExt cx="0" cy="0"/>
+        </a:xfrm>
+      </p:grpSpPr>
+      <p:pic>
+        <p:nvPicPr>
+          <p:cNvPr id="9" name="Picture 8">
+            <a:extLst>
+              <a:ext uri="{FF2B5EF4-FFF2-40B4-BE49-F238E27FC236}">
+                <a16:creationId xmlns:a16="http://schemas.microsoft.com/office/drawing/2014/main" id="{F083273A-37B0-B5B0-91F8-4A2488DF2CF0}"/>
+              </a:ext>
+            </a:extLst>
+          </p:cNvPr>
+          <p:cNvPicPr>
+            <a:picLocks noChangeAspect="1"/>
+          </p:cNvPicPr>
+          <p:nvPr/>
+        </p:nvPicPr>
+        <p:blipFill>
+          <a:blip r:embed="rId2">
+            <a:extLst>
+              <a:ext uri="{28A0092B-C50C-407E-A947-70E740481C1C}">
+                <a14:useLocalDpi xmlns:a14="http://schemas.microsoft.com/office/drawing/2010/main" val="0"/>
+              </a:ext>
+            </a:extLst>
+          </a:blip>
+          <a:stretch>
+            <a:fillRect/>
+          </a:stretch>
+        </p:blipFill>
+        <p:spPr>
+          <a:xfrm>
+            <a:off x="0" y="4707"/>
+            <a:ext cx="12192000" cy="6853293"/>
+          </a:xfrm>
+          <a:prstGeom prst="rect">
+            <a:avLst/>
+          </a:prstGeom>
+        </p:spPr>
+      </p:pic>
+      <p:sp>
+        <p:nvSpPr>
+          <p:cNvPr id="12" name="Title 11">
+            <a:extLst>
+              <a:ext uri="{FF2B5EF4-FFF2-40B4-BE49-F238E27FC236}">
+                <a16:creationId xmlns:a16="http://schemas.microsoft.com/office/drawing/2014/main" id="{36ACB15D-57F4-4F19-9B5B-D2DB2B64D966}"/>
+              </a:ext>
+            </a:extLst>
+          </p:cNvPr>
+          <p:cNvSpPr>
+            <a:spLocks noGrp="1"/>
+          </p:cNvSpPr>
+          <p:nvPr>
+            <p:ph type="title"/>
+          </p:nvPr>
+        </p:nvSpPr>
+        <p:spPr>
+          <a:xfrm>
+            <a:off x="838200" y="1090863"/>
+            <a:ext cx="10515600" cy="1171073"/>
+          </a:xfrm>
+        </p:spPr>
+        <p:txBody>
+          <a:bodyPr>
+            <a:normAutofit fontScale="90000"/>
+          </a:bodyPr>
+          <a:lstStyle/>
+          <a:p>
+            <a:r>
+              <a:rPr lang="en-IN" b="1" dirty="0">
+                <a:solidFill>
+                  <a:srgbClr val="C00000"/>
+                </a:solidFill>
+              </a:rPr>
+              <a:t>Purpose of Metadata</a:t>
+            </a:r>
+            <a:br>
+              <a:rPr lang="en-IN" b="1" dirty="0">
+                <a:solidFill>
+                  <a:srgbClr val="002060"/>
+                </a:solidFill>
+              </a:rPr>
+            </a:br>
+            <a:endParaRPr lang="en-IN" b="1" dirty="0">
+              <a:solidFill>
+                <a:srgbClr val="C00000"/>
+              </a:solidFill>
+            </a:endParaRPr>
+          </a:p>
+        </p:txBody>
+      </p:sp>
+      <p:sp>
+        <p:nvSpPr>
+          <p:cNvPr id="4" name="Content Placeholder 3">
+            <a:extLst>
+              <a:ext uri="{FF2B5EF4-FFF2-40B4-BE49-F238E27FC236}">
+                <a16:creationId xmlns:a16="http://schemas.microsoft.com/office/drawing/2014/main" id="{C544B42E-06A6-42C1-030F-BFF7E95494CA}"/>
+              </a:ext>
+            </a:extLst>
+          </p:cNvPr>
+          <p:cNvSpPr>
+            <a:spLocks noGrp="1"/>
+          </p:cNvSpPr>
+          <p:nvPr>
+            <p:ph idx="1"/>
+          </p:nvPr>
+        </p:nvSpPr>
+        <p:spPr>
+          <a:xfrm>
+            <a:off x="838200" y="1768839"/>
+            <a:ext cx="10515600" cy="3867463"/>
+          </a:xfrm>
+        </p:spPr>
+        <p:txBody>
+          <a:bodyPr/>
+          <a:lstStyle/>
+          <a:p>
+            <a:pPr marL="0" indent="0">
+              <a:buNone/>
+            </a:pPr>
+            <a:r>
+              <a:rPr lang="en-US" b="1" dirty="0">
+                <a:solidFill>
+                  <a:srgbClr val="FF0000"/>
+                </a:solidFill>
+              </a:rPr>
+              <a:t>Data Discovery</a:t>
+            </a:r>
+          </a:p>
+          <a:p>
+            <a:pPr lvl="1"/>
+            <a:r>
+              <a:rPr lang="en-US" sz="2800" dirty="0">
+                <a:solidFill>
+                  <a:srgbClr val="002060"/>
+                </a:solidFill>
+              </a:rPr>
+              <a:t>Helps users find relevant datasets by describing content, keywords, and categories.</a:t>
+            </a:r>
+          </a:p>
+          <a:p>
+            <a:pPr lvl="1"/>
+            <a:r>
+              <a:rPr lang="en-US" sz="2800" dirty="0">
+                <a:solidFill>
+                  <a:srgbClr val="002060"/>
+                </a:solidFill>
+              </a:rPr>
+              <a:t>Enables searchability in data catalogs and repositories.</a:t>
+            </a:r>
+          </a:p>
+          <a:p>
+            <a:pPr marL="0" indent="0">
+              <a:buNone/>
+            </a:pPr>
+            <a:r>
+              <a:rPr lang="en-US" b="1" dirty="0">
+                <a:solidFill>
+                  <a:srgbClr val="FF0000"/>
+                </a:solidFill>
+              </a:rPr>
+              <a:t>Data Understanding</a:t>
+            </a:r>
+          </a:p>
+          <a:p>
+            <a:pPr lvl="1"/>
+            <a:r>
+              <a:rPr lang="en-US" sz="2800" dirty="0">
+                <a:solidFill>
+                  <a:srgbClr val="002060"/>
+                </a:solidFill>
+              </a:rPr>
+              <a:t>Explains what each field means, its format, units, and relationships.</a:t>
+            </a:r>
+          </a:p>
+          <a:p>
+            <a:pPr lvl="1"/>
+            <a:r>
+              <a:rPr lang="en-US" sz="2800" dirty="0">
+                <a:solidFill>
+                  <a:srgbClr val="002060"/>
+                </a:solidFill>
+              </a:rPr>
+              <a:t>Clarifies how data was collected, transformed, and validated</a:t>
+            </a:r>
+            <a:endParaRPr lang="en-IN" sz="2800" dirty="0">
+              <a:solidFill>
+                <a:srgbClr val="002060"/>
+              </a:solidFill>
+            </a:endParaRPr>
+          </a:p>
+        </p:txBody>
+      </p:sp>
+    </p:spTree>
+    <p:extLst>
+      <p:ext uri="{BB962C8B-B14F-4D97-AF65-F5344CB8AC3E}">
+        <p14:creationId xmlns:p14="http://schemas.microsoft.com/office/powerpoint/2010/main" val="3997338436"/>
       </p:ext>
     </p:extLst>
   </p:cSld>
@@ -5003,7 +7599,7 @@
         <p:cNvPr id="1" name="">
           <a:extLst>
             <a:ext uri="{FF2B5EF4-FFF2-40B4-BE49-F238E27FC236}">
-              <a16:creationId xmlns:a16="http://schemas.microsoft.com/office/drawing/2014/main" id="{66E0E4B1-5F02-69C4-D339-CC109D9ABC88}"/>
+              <a16:creationId xmlns:a16="http://schemas.microsoft.com/office/drawing/2014/main" id="{FE6E7ED3-CACC-8D9C-FE26-B0228BA94474}"/>
             </a:ext>
           </a:extLst>
         </p:cNvPr>
@@ -5023,7 +7619,7 @@
           <p:cNvPr id="9" name="Picture 8">
             <a:extLst>
               <a:ext uri="{FF2B5EF4-FFF2-40B4-BE49-F238E27FC236}">
-                <a16:creationId xmlns:a16="http://schemas.microsoft.com/office/drawing/2014/main" id="{C0CEA051-E689-6F5E-E0CF-0341E67C596A}"/>
+                <a16:creationId xmlns:a16="http://schemas.microsoft.com/office/drawing/2014/main" id="{0471195E-15D5-C74E-B705-CBAE78F1F7D6}"/>
               </a:ext>
             </a:extLst>
           </p:cNvPr>
@@ -5059,7 +7655,7 @@
           <p:cNvPr id="12" name="Title 11">
             <a:extLst>
               <a:ext uri="{FF2B5EF4-FFF2-40B4-BE49-F238E27FC236}">
-                <a16:creationId xmlns:a16="http://schemas.microsoft.com/office/drawing/2014/main" id="{5AF4F4BF-6716-49E6-9582-E583D0D30CE3}"/>
+                <a16:creationId xmlns:a16="http://schemas.microsoft.com/office/drawing/2014/main" id="{D46473B1-77C8-8381-600F-2138BB8D2186}"/>
               </a:ext>
             </a:extLst>
           </p:cNvPr>
@@ -5072,8 +7668,8 @@
         </p:nvSpPr>
         <p:spPr>
           <a:xfrm>
-            <a:off x="838200" y="1748325"/>
-            <a:ext cx="10515600" cy="1828800"/>
+            <a:off x="838200" y="1090863"/>
+            <a:ext cx="10515600" cy="1171073"/>
           </a:xfrm>
         </p:spPr>
         <p:txBody>
@@ -5083,109 +7679,139 @@
           <a:lstStyle/>
           <a:p>
             <a:r>
-              <a:rPr lang="en-US" b="1" dirty="0" err="1">
+              <a:rPr lang="en-IN" b="1" dirty="0">
                 <a:solidFill>
                   <a:srgbClr val="C00000"/>
                 </a:solidFill>
               </a:rPr>
-              <a:t>Analyse</a:t>
-            </a:r>
-            <a:r>
-              <a:rPr lang="en-US" b="1" dirty="0">
-                <a:solidFill>
-                  <a:srgbClr val="C00000"/>
-                </a:solidFill>
-              </a:rPr>
-              <a:t> the differences between key terms such as Supervised Learning, Unsupervised Learning and Deep Learning</a:t>
+              <a:t>Purpose of Metadata</a:t>
             </a:r>
             <a:br>
-              <a:rPr lang="en-US" dirty="0">
-                <a:solidFill>
-                  <a:srgbClr val="002060"/>
-                </a:solidFill>
-              </a:rPr>
-            </a:br>
-            <a:br>
-              <a:rPr lang="en-US" dirty="0">
+              <a:rPr lang="en-IN" b="1" dirty="0">
                 <a:solidFill>
                   <a:srgbClr val="002060"/>
                 </a:solidFill>
               </a:rPr>
             </a:br>
             <a:endParaRPr lang="en-IN" b="1" dirty="0">
+              <a:solidFill>
+                <a:srgbClr val="C00000"/>
+              </a:solidFill>
+            </a:endParaRPr>
+          </a:p>
+        </p:txBody>
+      </p:sp>
+      <p:sp>
+        <p:nvSpPr>
+          <p:cNvPr id="4" name="Content Placeholder 3">
+            <a:extLst>
+              <a:ext uri="{FF2B5EF4-FFF2-40B4-BE49-F238E27FC236}">
+                <a16:creationId xmlns:a16="http://schemas.microsoft.com/office/drawing/2014/main" id="{86B75395-CB6C-0E89-653C-F41F4D317809}"/>
+              </a:ext>
+            </a:extLst>
+          </p:cNvPr>
+          <p:cNvSpPr>
+            <a:spLocks noGrp="1"/>
+          </p:cNvSpPr>
+          <p:nvPr>
+            <p:ph idx="1"/>
+          </p:nvPr>
+        </p:nvSpPr>
+        <p:spPr>
+          <a:xfrm>
+            <a:off x="838200" y="1768839"/>
+            <a:ext cx="10515600" cy="3867463"/>
+          </a:xfrm>
+        </p:spPr>
+        <p:txBody>
+          <a:bodyPr/>
+          <a:lstStyle/>
+          <a:p>
+            <a:pPr marL="0" indent="0">
+              <a:buNone/>
+            </a:pPr>
+            <a:r>
+              <a:rPr lang="en-US" b="1" dirty="0">
+                <a:solidFill>
+                  <a:srgbClr val="FF0000"/>
+                </a:solidFill>
+              </a:rPr>
+              <a:t>Data Governance &amp; Compliance</a:t>
+            </a:r>
+            <a:endParaRPr lang="en-US" dirty="0">
               <a:solidFill>
                 <a:srgbClr val="FF0000"/>
               </a:solidFill>
             </a:endParaRPr>
           </a:p>
-        </p:txBody>
-      </p:sp>
-      <p:sp>
-        <p:nvSpPr>
-          <p:cNvPr id="4" name="Content Placeholder 3">
-            <a:extLst>
-              <a:ext uri="{FF2B5EF4-FFF2-40B4-BE49-F238E27FC236}">
-                <a16:creationId xmlns:a16="http://schemas.microsoft.com/office/drawing/2014/main" id="{2DC93587-953D-FBE6-A4B6-5060E75B821F}"/>
-              </a:ext>
-            </a:extLst>
-          </p:cNvPr>
-          <p:cNvSpPr>
-            <a:spLocks noGrp="1"/>
-          </p:cNvSpPr>
-          <p:nvPr>
-            <p:ph idx="1"/>
-          </p:nvPr>
-        </p:nvSpPr>
-        <p:spPr>
-          <a:xfrm>
-            <a:off x="838200" y="3252865"/>
-            <a:ext cx="10515600" cy="2924097"/>
-          </a:xfrm>
-        </p:spPr>
-        <p:txBody>
-          <a:bodyPr/>
-          <a:lstStyle/>
-          <a:p>
+          <a:p>
+            <a:pPr lvl="1"/>
+            <a:r>
+              <a:rPr lang="en-US" sz="2800" dirty="0">
+                <a:solidFill>
+                  <a:srgbClr val="002060"/>
+                </a:solidFill>
+              </a:rPr>
+              <a:t>Tracks ownership, access rights, and regulatory constraints (e.g., GDPR tags).</a:t>
+            </a:r>
+          </a:p>
+          <a:p>
+            <a:pPr lvl="1"/>
+            <a:r>
+              <a:rPr lang="en-US" sz="2800" dirty="0">
+                <a:solidFill>
+                  <a:srgbClr val="002060"/>
+                </a:solidFill>
+              </a:rPr>
+              <a:t>Supports audit trails and lineage tracking.</a:t>
+            </a:r>
+          </a:p>
+          <a:p>
+            <a:pPr marL="0" indent="0">
+              <a:buNone/>
+            </a:pPr>
             <a:r>
               <a:rPr lang="en-US" b="1" dirty="0">
                 <a:solidFill>
-                  <a:srgbClr val="002060"/>
-                </a:solidFill>
-              </a:rPr>
-              <a:t>Supervised Learning</a:t>
-            </a:r>
-          </a:p>
-          <a:p>
-            <a:r>
-              <a:rPr lang="en-US" b="1" dirty="0">
-                <a:solidFill>
-                  <a:srgbClr val="002060"/>
-                </a:solidFill>
-              </a:rPr>
-              <a:t>Unsupervised Learning</a:t>
-            </a:r>
-          </a:p>
-          <a:p>
-            <a:r>
-              <a:rPr lang="en-US" b="1" dirty="0">
-                <a:solidFill>
-                  <a:srgbClr val="002060"/>
-                </a:solidFill>
-              </a:rPr>
-              <a:t>Deep Learning</a:t>
-            </a:r>
-            <a:endParaRPr lang="en-IN" dirty="0">
+                  <a:srgbClr val="FF0000"/>
+                </a:solidFill>
+              </a:rPr>
+              <a:t>Data Quality &amp; Integrity</a:t>
+            </a:r>
+            <a:endParaRPr lang="en-US" dirty="0">
               <a:solidFill>
-                <a:srgbClr val="002060"/>
+                <a:srgbClr val="FF0000"/>
               </a:solidFill>
             </a:endParaRPr>
+          </a:p>
+          <a:p>
+            <a:pPr lvl="1"/>
+            <a:r>
+              <a:rPr lang="en-US" sz="2800" dirty="0">
+                <a:solidFill>
+                  <a:srgbClr val="002060"/>
+                </a:solidFill>
+              </a:rPr>
+              <a:t>Includes timestamps, versioning, and validation rules.</a:t>
+            </a:r>
+          </a:p>
+          <a:p>
+            <a:pPr lvl="1"/>
+            <a:r>
+              <a:rPr lang="en-US" sz="2800" dirty="0">
+                <a:solidFill>
+                  <a:srgbClr val="002060"/>
+                </a:solidFill>
+              </a:rPr>
+              <a:t>Helps detect anomalies, duplicates, or outdated records.</a:t>
+            </a:r>
           </a:p>
         </p:txBody>
       </p:sp>
     </p:spTree>
     <p:extLst>
       <p:ext uri="{BB962C8B-B14F-4D97-AF65-F5344CB8AC3E}">
-        <p14:creationId xmlns:p14="http://schemas.microsoft.com/office/powerpoint/2010/main" val="1248854694"/>
+        <p14:creationId xmlns:p14="http://schemas.microsoft.com/office/powerpoint/2010/main" val="1051801097"/>
       </p:ext>
     </p:extLst>
   </p:cSld>
@@ -5203,7 +7829,7 @@
         <p:cNvPr id="1" name="">
           <a:extLst>
             <a:ext uri="{FF2B5EF4-FFF2-40B4-BE49-F238E27FC236}">
-              <a16:creationId xmlns:a16="http://schemas.microsoft.com/office/drawing/2014/main" id="{E7AA1D02-136D-8F7F-374E-AE382BC03063}"/>
+              <a16:creationId xmlns:a16="http://schemas.microsoft.com/office/drawing/2014/main" id="{C28A6F5F-6879-255C-6D02-C84AEC2AD0C6}"/>
             </a:ext>
           </a:extLst>
         </p:cNvPr>
@@ -5223,7 +7849,7 @@
           <p:cNvPr id="9" name="Picture 8">
             <a:extLst>
               <a:ext uri="{FF2B5EF4-FFF2-40B4-BE49-F238E27FC236}">
-                <a16:creationId xmlns:a16="http://schemas.microsoft.com/office/drawing/2014/main" id="{E7093ADB-6CDE-1EFA-767B-454223F6BE2C}"/>
+                <a16:creationId xmlns:a16="http://schemas.microsoft.com/office/drawing/2014/main" id="{96498FC9-7AE1-1C82-C0DB-1186707FD43E}"/>
               </a:ext>
             </a:extLst>
           </p:cNvPr>
@@ -5246,7 +7872,7 @@
         </p:blipFill>
         <p:spPr>
           <a:xfrm>
-            <a:off x="0" y="0"/>
+            <a:off x="0" y="4707"/>
             <a:ext cx="12192000" cy="6853293"/>
           </a:xfrm>
           <a:prstGeom prst="rect">
@@ -5259,7 +7885,7 @@
           <p:cNvPr id="12" name="Title 11">
             <a:extLst>
               <a:ext uri="{FF2B5EF4-FFF2-40B4-BE49-F238E27FC236}">
-                <a16:creationId xmlns:a16="http://schemas.microsoft.com/office/drawing/2014/main" id="{764EDC2E-9453-3590-CDEE-148E9E4055CA}"/>
+                <a16:creationId xmlns:a16="http://schemas.microsoft.com/office/drawing/2014/main" id="{7C686B13-DCA7-5F03-B32D-1DB0560F9EC0}"/>
               </a:ext>
             </a:extLst>
           </p:cNvPr>
@@ -5272,8 +7898,59 @@
         </p:nvSpPr>
         <p:spPr>
           <a:xfrm>
-            <a:off x="838200" y="1109273"/>
-            <a:ext cx="10515600" cy="3189156"/>
+            <a:off x="838200" y="1090863"/>
+            <a:ext cx="10515600" cy="1171073"/>
+          </a:xfrm>
+        </p:spPr>
+        <p:txBody>
+          <a:bodyPr>
+            <a:normAutofit fontScale="90000"/>
+          </a:bodyPr>
+          <a:lstStyle/>
+          <a:p>
+            <a:r>
+              <a:rPr lang="en-IN" b="1" dirty="0">
+                <a:solidFill>
+                  <a:srgbClr val="C00000"/>
+                </a:solidFill>
+              </a:rPr>
+              <a:t>Purpose of Metadata</a:t>
+            </a:r>
+            <a:br>
+              <a:rPr lang="en-IN" b="1" dirty="0">
+                <a:solidFill>
+                  <a:srgbClr val="002060"/>
+                </a:solidFill>
+              </a:rPr>
+            </a:br>
+            <a:endParaRPr lang="en-IN" b="1" dirty="0">
+              <a:solidFill>
+                <a:srgbClr val="C00000"/>
+              </a:solidFill>
+            </a:endParaRPr>
+          </a:p>
+        </p:txBody>
+      </p:sp>
+      <p:sp>
+        <p:nvSpPr>
+          <p:cNvPr id="4" name="Content Placeholder 3">
+            <a:extLst>
+              <a:ext uri="{FF2B5EF4-FFF2-40B4-BE49-F238E27FC236}">
+                <a16:creationId xmlns:a16="http://schemas.microsoft.com/office/drawing/2014/main" id="{24762632-D7F0-5A61-5F64-47AA87AA9EB9}"/>
+              </a:ext>
+            </a:extLst>
+          </p:cNvPr>
+          <p:cNvSpPr>
+            <a:spLocks noGrp="1"/>
+          </p:cNvSpPr>
+          <p:nvPr>
+            <p:ph idx="1"/>
+          </p:nvPr>
+        </p:nvSpPr>
+        <p:spPr>
+          <a:xfrm>
+            <a:off x="838200" y="1768839"/>
+            <a:ext cx="10515600" cy="3867463"/>
           </a:xfrm>
         </p:spPr>
         <p:txBody>
@@ -5282,84 +7959,82 @@
           </a:bodyPr>
           <a:lstStyle/>
           <a:p>
+            <a:pPr marL="0" indent="0">
+              <a:buNone/>
+            </a:pPr>
             <a:r>
               <a:rPr lang="en-US" b="1" dirty="0">
                 <a:solidFill>
-                  <a:srgbClr val="C00000"/>
-                </a:solidFill>
-              </a:rPr>
-              <a:t>Supervised Learning</a:t>
-            </a:r>
-            <a:br>
-              <a:rPr lang="en-IN" dirty="0">
+                  <a:srgbClr val="FF0000"/>
+                </a:solidFill>
+              </a:rPr>
+              <a:t>Interoperability</a:t>
+            </a:r>
+          </a:p>
+          <a:p>
+            <a:r>
+              <a:rPr lang="en-US" dirty="0">
                 <a:solidFill>
                   <a:srgbClr val="002060"/>
                 </a:solidFill>
               </a:rPr>
-            </a:br>
-            <a:br>
+              <a:t>Standardized metadata enables integration across systems, APIs, and platforms.</a:t>
+            </a:r>
+          </a:p>
+          <a:p>
+            <a:r>
               <a:rPr lang="en-US" dirty="0">
                 <a:solidFill>
                   <a:srgbClr val="002060"/>
                 </a:solidFill>
               </a:rPr>
-            </a:br>
-            <a:br>
+              <a:t>Facilitates schema mapping and ETL processes.</a:t>
+            </a:r>
+          </a:p>
+          <a:p>
+            <a:pPr marL="0" indent="0">
+              <a:buNone/>
+            </a:pPr>
+            <a:r>
+              <a:rPr lang="en-US" b="1" dirty="0">
+                <a:solidFill>
+                  <a:srgbClr val="FF0000"/>
+                </a:solidFill>
+              </a:rPr>
+              <a:t>Automation &amp; AI</a:t>
+            </a:r>
+          </a:p>
+          <a:p>
+            <a:r>
               <a:rPr lang="en-US" dirty="0">
                 <a:solidFill>
                   <a:srgbClr val="002060"/>
                 </a:solidFill>
               </a:rPr>
-            </a:br>
-            <a:br>
+              <a:t>AI systems use metadata to understand context, apply correct models, and automate workflows.</a:t>
+            </a:r>
+          </a:p>
+          <a:p>
+            <a:r>
               <a:rPr lang="en-US" dirty="0">
                 <a:solidFill>
                   <a:srgbClr val="002060"/>
                 </a:solidFill>
               </a:rPr>
-            </a:br>
-            <a:endParaRPr lang="en-IN" b="1" dirty="0">
+              <a:t>Enables intelligent indexing, tagging, and recommendation systems.</a:t>
+            </a:r>
+            <a:endParaRPr lang="en-US" sz="2800" dirty="0">
               <a:solidFill>
-                <a:srgbClr val="FF0000"/>
+                <a:srgbClr val="002060"/>
               </a:solidFill>
             </a:endParaRPr>
-          </a:p>
-        </p:txBody>
-      </p:sp>
-      <p:sp>
-        <p:nvSpPr>
-          <p:cNvPr id="4" name="Content Placeholder 3">
-            <a:extLst>
-              <a:ext uri="{FF2B5EF4-FFF2-40B4-BE49-F238E27FC236}">
-                <a16:creationId xmlns:a16="http://schemas.microsoft.com/office/drawing/2014/main" id="{AB0C367C-6704-41A3-7DE2-9756C9777541}"/>
-              </a:ext>
-            </a:extLst>
-          </p:cNvPr>
-          <p:cNvSpPr>
-            <a:spLocks noGrp="1"/>
-          </p:cNvSpPr>
-          <p:nvPr>
-            <p:ph idx="1"/>
-          </p:nvPr>
-        </p:nvSpPr>
-        <p:spPr>
-          <a:xfrm>
-            <a:off x="838200" y="2261937"/>
-            <a:ext cx="10515600" cy="3915026"/>
-          </a:xfrm>
-        </p:spPr>
-        <p:txBody>
-          <a:bodyPr/>
-          <a:lstStyle/>
-          <a:p>
-            <a:endParaRPr lang="en-IN" dirty="0"/>
           </a:p>
         </p:txBody>
       </p:sp>
     </p:spTree>
     <p:extLst>
       <p:ext uri="{BB962C8B-B14F-4D97-AF65-F5344CB8AC3E}">
-        <p14:creationId xmlns:p14="http://schemas.microsoft.com/office/powerpoint/2010/main" val="2329110552"/>
+        <p14:creationId xmlns:p14="http://schemas.microsoft.com/office/powerpoint/2010/main" val="1595504848"/>
       </p:ext>
     </p:extLst>
   </p:cSld>
@@ -5377,7 +8052,7 @@
         <p:cNvPr id="1" name="">
           <a:extLst>
             <a:ext uri="{FF2B5EF4-FFF2-40B4-BE49-F238E27FC236}">
-              <a16:creationId xmlns:a16="http://schemas.microsoft.com/office/drawing/2014/main" id="{9CF09576-E858-385A-6B65-E89E2DE87113}"/>
+              <a16:creationId xmlns:a16="http://schemas.microsoft.com/office/drawing/2014/main" id="{62A585D8-B2BE-8748-2402-F299E8C261AF}"/>
             </a:ext>
           </a:extLst>
         </p:cNvPr>
@@ -5397,7 +8072,7 @@
           <p:cNvPr id="9" name="Picture 8">
             <a:extLst>
               <a:ext uri="{FF2B5EF4-FFF2-40B4-BE49-F238E27FC236}">
-                <a16:creationId xmlns:a16="http://schemas.microsoft.com/office/drawing/2014/main" id="{33BF3416-F596-A4E5-4C37-0D412E238B82}"/>
+                <a16:creationId xmlns:a16="http://schemas.microsoft.com/office/drawing/2014/main" id="{B5B6A957-7A59-6289-EA55-83171B03CA5A}"/>
               </a:ext>
             </a:extLst>
           </p:cNvPr>
@@ -5420,7 +8095,7 @@
         </p:blipFill>
         <p:spPr>
           <a:xfrm>
-            <a:off x="0" y="0"/>
+            <a:off x="0" y="4707"/>
             <a:ext cx="12192000" cy="6853293"/>
           </a:xfrm>
           <a:prstGeom prst="rect">
@@ -5433,7 +8108,7 @@
           <p:cNvPr id="12" name="Title 11">
             <a:extLst>
               <a:ext uri="{FF2B5EF4-FFF2-40B4-BE49-F238E27FC236}">
-                <a16:creationId xmlns:a16="http://schemas.microsoft.com/office/drawing/2014/main" id="{C81E761A-B771-599A-6E0D-BF4406F06A5E}"/>
+                <a16:creationId xmlns:a16="http://schemas.microsoft.com/office/drawing/2014/main" id="{97A94D88-AEF0-3B1A-A819-51C06AA1B0B1}"/>
               </a:ext>
             </a:extLst>
           </p:cNvPr>
@@ -5446,8 +8121,8 @@
         </p:nvSpPr>
         <p:spPr>
           <a:xfrm>
-            <a:off x="838200" y="1363581"/>
-            <a:ext cx="10515600" cy="3076074"/>
+            <a:off x="838200" y="1090863"/>
+            <a:ext cx="10515600" cy="692967"/>
           </a:xfrm>
         </p:spPr>
         <p:txBody>
@@ -5456,44 +8131,23 @@
           </a:bodyPr>
           <a:lstStyle/>
           <a:p>
-            <a:r>
-              <a:rPr lang="en-US" b="1" dirty="0">
+            <a:br>
+              <a:rPr lang="en-IN" b="1" dirty="0">
+                <a:solidFill>
+                  <a:srgbClr val="002060"/>
+                </a:solidFill>
+              </a:rPr>
+            </a:br>
+            <a:r>
+              <a:rPr lang="en-IN" b="1" dirty="0">
                 <a:solidFill>
                   <a:srgbClr val="C00000"/>
                 </a:solidFill>
               </a:rPr>
-              <a:t>Unsupervised Learning</a:t>
+              <a:t>Types of Metadata</a:t>
             </a:r>
             <a:br>
-              <a:rPr lang="en-IN" dirty="0">
-                <a:solidFill>
-                  <a:srgbClr val="002060"/>
-                </a:solidFill>
-              </a:rPr>
-            </a:br>
-            <a:br>
-              <a:rPr lang="en-IN" dirty="0">
-                <a:solidFill>
-                  <a:srgbClr val="002060"/>
-                </a:solidFill>
-              </a:rPr>
-            </a:br>
-            <a:br>
-              <a:rPr lang="en-US" dirty="0">
-                <a:solidFill>
-                  <a:srgbClr val="002060"/>
-                </a:solidFill>
-              </a:rPr>
-            </a:br>
-            <a:br>
-              <a:rPr lang="en-US" dirty="0">
-                <a:solidFill>
-                  <a:srgbClr val="002060"/>
-                </a:solidFill>
-              </a:rPr>
-            </a:br>
-            <a:br>
-              <a:rPr lang="en-US" dirty="0">
+              <a:rPr lang="en-IN" b="1" dirty="0">
                 <a:solidFill>
                   <a:srgbClr val="002060"/>
                 </a:solidFill>
@@ -5501,46 +8155,354 @@
             </a:br>
             <a:endParaRPr lang="en-IN" b="1" dirty="0">
               <a:solidFill>
-                <a:srgbClr val="FF0000"/>
+                <a:srgbClr val="C00000"/>
               </a:solidFill>
             </a:endParaRPr>
           </a:p>
         </p:txBody>
       </p:sp>
-      <p:sp>
-        <p:nvSpPr>
-          <p:cNvPr id="4" name="Content Placeholder 3">
-            <a:extLst>
-              <a:ext uri="{FF2B5EF4-FFF2-40B4-BE49-F238E27FC236}">
-                <a16:creationId xmlns:a16="http://schemas.microsoft.com/office/drawing/2014/main" id="{ED8A8A9C-83F7-2FA5-E8C6-CEA7A3C471CB}"/>
-              </a:ext>
-            </a:extLst>
-          </p:cNvPr>
-          <p:cNvSpPr>
-            <a:spLocks noGrp="1"/>
-          </p:cNvSpPr>
+      <p:graphicFrame>
+        <p:nvGraphicFramePr>
+          <p:cNvPr id="2" name="Content Placeholder 1">
+            <a:extLst>
+              <a:ext uri="{FF2B5EF4-FFF2-40B4-BE49-F238E27FC236}">
+                <a16:creationId xmlns:a16="http://schemas.microsoft.com/office/drawing/2014/main" id="{F232DB7D-E4D0-8FE8-3AFA-E2FA75F7DA71}"/>
+              </a:ext>
+            </a:extLst>
+          </p:cNvPr>
+          <p:cNvGraphicFramePr>
+            <a:graphicFrameLocks noGrp="1"/>
+          </p:cNvGraphicFramePr>
           <p:nvPr>
             <p:ph idx="1"/>
-          </p:nvPr>
-        </p:nvSpPr>
-        <p:spPr>
-          <a:xfrm>
-            <a:off x="838200" y="2261937"/>
-            <a:ext cx="10515600" cy="3915026"/>
-          </a:xfrm>
-        </p:spPr>
-        <p:txBody>
-          <a:bodyPr/>
-          <a:lstStyle/>
-          <a:p>
-            <a:endParaRPr lang="en-IN" dirty="0"/>
-          </a:p>
-        </p:txBody>
-      </p:sp>
+            <p:extLst>
+              <p:ext uri="{D42A27DB-BD31-4B8C-83A1-F6EECF244321}">
+                <p14:modId xmlns:p14="http://schemas.microsoft.com/office/powerpoint/2010/main" val="3908010100"/>
+              </p:ext>
+            </p:extLst>
+          </p:nvPr>
+        </p:nvGraphicFramePr>
+        <p:xfrm>
+          <a:off x="838200" y="1825625"/>
+          <a:ext cx="10515597" cy="2225040"/>
+        </p:xfrm>
+        <a:graphic>
+          <a:graphicData uri="http://schemas.openxmlformats.org/drawingml/2006/table">
+            <a:tbl>
+              <a:tblPr firstRow="1" bandRow="1">
+                <a:tableStyleId>{793D81CF-94F2-401A-BA57-92F5A7B2D0C5}</a:tableStyleId>
+              </a:tblPr>
+              <a:tblGrid>
+                <a:gridCol w="2369695">
+                  <a:extLst>
+                    <a:ext uri="{9D8B030D-6E8A-4147-A177-3AD203B41FA5}">
+                      <a16:colId xmlns:a16="http://schemas.microsoft.com/office/drawing/2014/main" val="1258740395"/>
+                    </a:ext>
+                  </a:extLst>
+                </a:gridCol>
+                <a:gridCol w="4317167">
+                  <a:extLst>
+                    <a:ext uri="{9D8B030D-6E8A-4147-A177-3AD203B41FA5}">
+                      <a16:colId xmlns:a16="http://schemas.microsoft.com/office/drawing/2014/main" val="1740408615"/>
+                    </a:ext>
+                  </a:extLst>
+                </a:gridCol>
+                <a:gridCol w="3828735">
+                  <a:extLst>
+                    <a:ext uri="{9D8B030D-6E8A-4147-A177-3AD203B41FA5}">
+                      <a16:colId xmlns:a16="http://schemas.microsoft.com/office/drawing/2014/main" val="3826687446"/>
+                    </a:ext>
+                  </a:extLst>
+                </a:gridCol>
+              </a:tblGrid>
+              <a:tr h="370840">
+                <a:tc>
+                  <a:txBody>
+                    <a:bodyPr/>
+                    <a:lstStyle/>
+                    <a:p>
+                      <a:r>
+                        <a:rPr lang="en-IN" dirty="0"/>
+                        <a:t>Type</a:t>
+                      </a:r>
+                    </a:p>
+                  </a:txBody>
+                  <a:tcPr/>
+                </a:tc>
+                <a:tc>
+                  <a:txBody>
+                    <a:bodyPr/>
+                    <a:lstStyle/>
+                    <a:p>
+                      <a:r>
+                        <a:rPr lang="en-IN" dirty="0"/>
+                        <a:t>Description</a:t>
+                      </a:r>
+                    </a:p>
+                  </a:txBody>
+                  <a:tcPr/>
+                </a:tc>
+                <a:tc>
+                  <a:txBody>
+                    <a:bodyPr/>
+                    <a:lstStyle/>
+                    <a:p>
+                      <a:r>
+                        <a:rPr lang="en-IN" dirty="0"/>
+                        <a:t>Example</a:t>
+                      </a:r>
+                    </a:p>
+                  </a:txBody>
+                  <a:tcPr/>
+                </a:tc>
+                <a:extLst>
+                  <a:ext uri="{0D108BD9-81ED-4DB2-BD59-A6C34878D82A}">
+                    <a16:rowId xmlns:a16="http://schemas.microsoft.com/office/drawing/2014/main" val="2309717294"/>
+                  </a:ext>
+                </a:extLst>
+              </a:tr>
+              <a:tr h="370840">
+                <a:tc>
+                  <a:txBody>
+                    <a:bodyPr/>
+                    <a:lstStyle/>
+                    <a:p>
+                      <a:r>
+                        <a:rPr lang="en-IN" dirty="0"/>
+                        <a:t>Descriptive</a:t>
+                      </a:r>
+                    </a:p>
+                  </a:txBody>
+                  <a:tcPr/>
+                </a:tc>
+                <a:tc>
+                  <a:txBody>
+                    <a:bodyPr/>
+                    <a:lstStyle/>
+                    <a:p>
+                      <a:r>
+                        <a:rPr lang="en-US" dirty="0"/>
+                        <a:t>What the data is about</a:t>
+                      </a:r>
+                      <a:endParaRPr lang="en-IN" dirty="0"/>
+                    </a:p>
+                  </a:txBody>
+                  <a:tcPr/>
+                </a:tc>
+                <a:tc>
+                  <a:txBody>
+                    <a:bodyPr/>
+                    <a:lstStyle/>
+                    <a:p>
+                      <a:r>
+                        <a:rPr lang="en-IN" dirty="0"/>
+                        <a:t>Title, author, keywords</a:t>
+                      </a:r>
+                    </a:p>
+                  </a:txBody>
+                  <a:tcPr/>
+                </a:tc>
+                <a:extLst>
+                  <a:ext uri="{0D108BD9-81ED-4DB2-BD59-A6C34878D82A}">
+                    <a16:rowId xmlns:a16="http://schemas.microsoft.com/office/drawing/2014/main" val="3978740106"/>
+                  </a:ext>
+                </a:extLst>
+              </a:tr>
+              <a:tr h="370840">
+                <a:tc>
+                  <a:txBody>
+                    <a:bodyPr/>
+                    <a:lstStyle/>
+                    <a:p>
+                      <a:r>
+                        <a:rPr lang="en-IN" dirty="0"/>
+                        <a:t>Structural</a:t>
+                      </a:r>
+                    </a:p>
+                  </a:txBody>
+                  <a:tcPr/>
+                </a:tc>
+                <a:tc>
+                  <a:txBody>
+                    <a:bodyPr/>
+                    <a:lstStyle/>
+                    <a:p>
+                      <a:r>
+                        <a:rPr lang="en-US" dirty="0"/>
+                        <a:t>How the data is organized</a:t>
+                      </a:r>
+                      <a:endParaRPr lang="en-IN" dirty="0"/>
+                    </a:p>
+                  </a:txBody>
+                  <a:tcPr/>
+                </a:tc>
+                <a:tc>
+                  <a:txBody>
+                    <a:bodyPr/>
+                    <a:lstStyle/>
+                    <a:p>
+                      <a:r>
+                        <a:rPr lang="en-IN" dirty="0"/>
+                        <a:t>Table schema, file format</a:t>
+                      </a:r>
+                    </a:p>
+                  </a:txBody>
+                  <a:tcPr/>
+                </a:tc>
+                <a:extLst>
+                  <a:ext uri="{0D108BD9-81ED-4DB2-BD59-A6C34878D82A}">
+                    <a16:rowId xmlns:a16="http://schemas.microsoft.com/office/drawing/2014/main" val="2396833299"/>
+                  </a:ext>
+                </a:extLst>
+              </a:tr>
+              <a:tr h="370840">
+                <a:tc>
+                  <a:txBody>
+                    <a:bodyPr/>
+                    <a:lstStyle/>
+                    <a:p>
+                      <a:r>
+                        <a:rPr lang="en-IN" dirty="0"/>
+                        <a:t>Administrative</a:t>
+                      </a:r>
+                    </a:p>
+                  </a:txBody>
+                  <a:tcPr/>
+                </a:tc>
+                <a:tc>
+                  <a:txBody>
+                    <a:bodyPr/>
+                    <a:lstStyle/>
+                    <a:p>
+                      <a:r>
+                        <a:rPr lang="en-US" dirty="0"/>
+                        <a:t>Who owns it, how it’s managed</a:t>
+                      </a:r>
+                      <a:endParaRPr lang="en-IN" dirty="0"/>
+                    </a:p>
+                  </a:txBody>
+                  <a:tcPr/>
+                </a:tc>
+                <a:tc>
+                  <a:txBody>
+                    <a:bodyPr/>
+                    <a:lstStyle/>
+                    <a:p>
+                      <a:r>
+                        <a:rPr lang="en-IN" dirty="0"/>
+                        <a:t>Access rights, creation date</a:t>
+                      </a:r>
+                    </a:p>
+                  </a:txBody>
+                  <a:tcPr/>
+                </a:tc>
+                <a:extLst>
+                  <a:ext uri="{0D108BD9-81ED-4DB2-BD59-A6C34878D82A}">
+                    <a16:rowId xmlns:a16="http://schemas.microsoft.com/office/drawing/2014/main" val="3724768741"/>
+                  </a:ext>
+                </a:extLst>
+              </a:tr>
+              <a:tr h="370840">
+                <a:tc>
+                  <a:txBody>
+                    <a:bodyPr/>
+                    <a:lstStyle/>
+                    <a:p>
+                      <a:r>
+                        <a:rPr lang="en-IN" dirty="0"/>
+                        <a:t>Statistical</a:t>
+                      </a:r>
+                    </a:p>
+                  </a:txBody>
+                  <a:tcPr/>
+                </a:tc>
+                <a:tc>
+                  <a:txBody>
+                    <a:bodyPr/>
+                    <a:lstStyle/>
+                    <a:p>
+                      <a:r>
+                        <a:rPr lang="en-IN" dirty="0"/>
+                        <a:t>Summary metrics and distributions</a:t>
+                      </a:r>
+                    </a:p>
+                  </a:txBody>
+                  <a:tcPr/>
+                </a:tc>
+                <a:tc>
+                  <a:txBody>
+                    <a:bodyPr/>
+                    <a:lstStyle/>
+                    <a:p>
+                      <a:r>
+                        <a:rPr lang="en-IN" dirty="0"/>
+                        <a:t>Mean, standard deviation</a:t>
+                      </a:r>
+                    </a:p>
+                  </a:txBody>
+                  <a:tcPr/>
+                </a:tc>
+                <a:extLst>
+                  <a:ext uri="{0D108BD9-81ED-4DB2-BD59-A6C34878D82A}">
+                    <a16:rowId xmlns:a16="http://schemas.microsoft.com/office/drawing/2014/main" val="2637654389"/>
+                  </a:ext>
+                </a:extLst>
+              </a:tr>
+              <a:tr h="370840">
+                <a:tc>
+                  <a:txBody>
+                    <a:bodyPr/>
+                    <a:lstStyle/>
+                    <a:p>
+                      <a:r>
+                        <a:rPr lang="en-IN" dirty="0"/>
+                        <a:t>Provenance</a:t>
+                      </a:r>
+                    </a:p>
+                  </a:txBody>
+                  <a:tcPr/>
+                </a:tc>
+                <a:tc>
+                  <a:txBody>
+                    <a:bodyPr/>
+                    <a:lstStyle/>
+                    <a:p>
+                      <a:r>
+                        <a:rPr lang="en-US" dirty="0"/>
+                        <a:t>Where the data came from</a:t>
+                      </a:r>
+                      <a:endParaRPr lang="en-IN" dirty="0"/>
+                    </a:p>
+                  </a:txBody>
+                  <a:tcPr/>
+                </a:tc>
+                <a:tc>
+                  <a:txBody>
+                    <a:bodyPr/>
+                    <a:lstStyle/>
+                    <a:p>
+                      <a:r>
+                        <a:rPr lang="en-IN" dirty="0"/>
+                        <a:t>Source system, transformation steps</a:t>
+                      </a:r>
+                    </a:p>
+                  </a:txBody>
+                  <a:tcPr/>
+                </a:tc>
+                <a:extLst>
+                  <a:ext uri="{0D108BD9-81ED-4DB2-BD59-A6C34878D82A}">
+                    <a16:rowId xmlns:a16="http://schemas.microsoft.com/office/drawing/2014/main" val="4018057106"/>
+                  </a:ext>
+                </a:extLst>
+              </a:tr>
+            </a:tbl>
+          </a:graphicData>
+        </a:graphic>
+      </p:graphicFrame>
     </p:spTree>
     <p:extLst>
       <p:ext uri="{BB962C8B-B14F-4D97-AF65-F5344CB8AC3E}">
-        <p14:creationId xmlns:p14="http://schemas.microsoft.com/office/powerpoint/2010/main" val="3334215418"/>
+        <p14:creationId xmlns:p14="http://schemas.microsoft.com/office/powerpoint/2010/main" val="3672831949"/>
       </p:ext>
     </p:extLst>
   </p:cSld>
